--- a/Image Document Optimizer.pptx
+++ b/Image Document Optimizer.pptx
@@ -5,10 +5,10 @@
     <p:sldMasterId id="2147483684" r:id="rId4"/>
   </p:sldMasterIdLst>
   <p:notesMasterIdLst>
-    <p:notesMasterId r:id="rId16"/>
+    <p:notesMasterId r:id="rId17"/>
   </p:notesMasterIdLst>
   <p:handoutMasterIdLst>
-    <p:handoutMasterId r:id="rId17"/>
+    <p:handoutMasterId r:id="rId18"/>
   </p:handoutMasterIdLst>
   <p:sldIdLst>
     <p:sldId id="257" r:id="rId5"/>
@@ -21,7 +21,8 @@
     <p:sldId id="279" r:id="rId12"/>
     <p:sldId id="268" r:id="rId13"/>
     <p:sldId id="272" r:id="rId14"/>
-    <p:sldId id="391" r:id="rId15"/>
+    <p:sldId id="321" r:id="rId15"/>
+    <p:sldId id="391" r:id="rId16"/>
   </p:sldIdLst>
   <p:sldSz cx="12192000" cy="6858000"/>
   <p:notesSz cx="6858000" cy="9144000"/>
@@ -5195,6 +5196,150 @@
 </p:notes>
 </file>
 
+<file path=ppt/notesSlides/notesSlide7.xml><?xml version="1.0" encoding="utf-8"?>
+<p:notes xmlns:a="http://schemas.openxmlformats.org/drawingml/2006/main" xmlns:r="http://schemas.openxmlformats.org/officeDocument/2006/relationships" xmlns:p="http://schemas.openxmlformats.org/presentationml/2006/main">
+  <p:cSld>
+    <p:spTree>
+      <p:nvGrpSpPr>
+        <p:cNvPr id="1" name=""/>
+        <p:cNvGrpSpPr/>
+        <p:nvPr/>
+      </p:nvGrpSpPr>
+      <p:grpSpPr>
+        <a:xfrm>
+          <a:off x="0" y="0"/>
+          <a:ext cx="0" cy="0"/>
+          <a:chOff x="0" y="0"/>
+          <a:chExt cx="0" cy="0"/>
+        </a:xfrm>
+      </p:grpSpPr>
+      <p:sp>
+        <p:nvSpPr>
+          <p:cNvPr id="2" name="Slide Image Placeholder 1"/>
+          <p:cNvSpPr>
+            <a:spLocks noGrp="1" noRot="1" noChangeAspect="1"/>
+          </p:cNvSpPr>
+          <p:nvPr>
+            <p:ph type="sldImg"/>
+          </p:nvPr>
+        </p:nvSpPr>
+        <p:spPr/>
+      </p:sp>
+      <p:sp>
+        <p:nvSpPr>
+          <p:cNvPr id="3" name="Notes Placeholder 2"/>
+          <p:cNvSpPr>
+            <a:spLocks noGrp="1"/>
+          </p:cNvSpPr>
+          <p:nvPr>
+            <p:ph type="body" idx="1"/>
+          </p:nvPr>
+        </p:nvSpPr>
+        <p:spPr/>
+        <p:txBody>
+          <a:bodyPr/>
+          <a:lstStyle/>
+          <a:p>
+            <a:endParaRPr lang="en-US" dirty="0"/>
+          </a:p>
+        </p:txBody>
+      </p:sp>
+      <p:sp>
+        <p:nvSpPr>
+          <p:cNvPr id="4" name="Slide Number Placeholder 3"/>
+          <p:cNvSpPr>
+            <a:spLocks noGrp="1"/>
+          </p:cNvSpPr>
+          <p:nvPr>
+            <p:ph type="sldNum" sz="quarter" idx="5"/>
+          </p:nvPr>
+        </p:nvSpPr>
+        <p:spPr/>
+        <p:txBody>
+          <a:bodyPr/>
+          <a:lstStyle/>
+          <a:p>
+            <a:pPr marL="0" marR="0" lvl="0" indent="0" algn="r" defTabSz="914400" rtl="0" eaLnBrk="1" fontAlgn="auto" latinLnBrk="0" hangingPunct="1">
+              <a:lnSpc>
+                <a:spcPct val="100000"/>
+              </a:lnSpc>
+              <a:spcBef>
+                <a:spcPts val="0"/>
+              </a:spcBef>
+              <a:spcAft>
+                <a:spcPts val="0"/>
+              </a:spcAft>
+              <a:buClrTx/>
+              <a:buSzTx/>
+              <a:buFontTx/>
+              <a:buNone/>
+              <a:tabLst/>
+              <a:defRPr/>
+            </a:pPr>
+            <a:fld id="{1983A999-5E0E-42CA-8400-604AE921FF7C}" type="slidenum">
+              <a:rPr kumimoji="0" lang="en-US" sz="1200" b="0" i="0" u="none" strike="noStrike" kern="1200" cap="none" spc="0" normalizeH="0" baseline="0" noProof="0" smtClean="0">
+                <a:ln>
+                  <a:noFill/>
+                </a:ln>
+                <a:solidFill>
+                  <a:prstClr val="black"/>
+                </a:solidFill>
+                <a:effectLst/>
+                <a:uLnTx/>
+                <a:uFillTx/>
+                <a:latin typeface="Calibri" panose="020F0502020204030204"/>
+                <a:ea typeface="+mn-ea"/>
+                <a:cs typeface="+mn-cs"/>
+              </a:rPr>
+              <a:pPr marL="0" marR="0" lvl="0" indent="0" algn="r" defTabSz="914400" rtl="0" eaLnBrk="1" fontAlgn="auto" latinLnBrk="0" hangingPunct="1">
+                <a:lnSpc>
+                  <a:spcPct val="100000"/>
+                </a:lnSpc>
+                <a:spcBef>
+                  <a:spcPts val="0"/>
+                </a:spcBef>
+                <a:spcAft>
+                  <a:spcPts val="0"/>
+                </a:spcAft>
+                <a:buClrTx/>
+                <a:buSzTx/>
+                <a:buFontTx/>
+                <a:buNone/>
+                <a:tabLst/>
+                <a:defRPr/>
+              </a:pPr>
+              <a:t>11</a:t>
+            </a:fld>
+            <a:endParaRPr kumimoji="0" lang="en-US" sz="1200" b="0" i="0" u="none" strike="noStrike" kern="1200" cap="none" spc="0" normalizeH="0" baseline="0" noProof="0">
+              <a:ln>
+                <a:noFill/>
+              </a:ln>
+              <a:solidFill>
+                <a:prstClr val="black"/>
+              </a:solidFill>
+              <a:effectLst/>
+              <a:uLnTx/>
+              <a:uFillTx/>
+              <a:latin typeface="Calibri" panose="020F0502020204030204"/>
+              <a:ea typeface="+mn-ea"/>
+              <a:cs typeface="+mn-cs"/>
+            </a:endParaRPr>
+          </a:p>
+        </p:txBody>
+      </p:sp>
+    </p:spTree>
+    <p:extLst>
+      <p:ext uri="{BB962C8B-B14F-4D97-AF65-F5344CB8AC3E}">
+        <p14:creationId xmlns:p14="http://schemas.microsoft.com/office/powerpoint/2010/main" val="4150892672"/>
+      </p:ext>
+    </p:extLst>
+  </p:cSld>
+  <p:clrMapOvr>
+    <a:masterClrMapping/>
+  </p:clrMapOvr>
+</p:notes>
+</file>
+
 <file path=ppt/slideLayouts/slideLayout1.xml><?xml version="1.0" encoding="utf-8"?>
 <p:sldLayout xmlns:a="http://schemas.openxmlformats.org/drawingml/2006/main" xmlns:r="http://schemas.openxmlformats.org/officeDocument/2006/relationships" xmlns:p="http://schemas.openxmlformats.org/presentationml/2006/main" preserve="1" userDrawn="1">
   <p:cSld name="1_Title">
@@ -17685,6 +17830,626 @@
       </p:grpSpPr>
       <p:sp>
         <p:nvSpPr>
+          <p:cNvPr id="11" name="Title 10">
+            <a:extLst>
+              <a:ext uri="{FF2B5EF4-FFF2-40B4-BE49-F238E27FC236}">
+                <a16:creationId xmlns:a16="http://schemas.microsoft.com/office/drawing/2014/main" id="{581E8936-2270-47FE-94A4-398CB123EF90}"/>
+              </a:ext>
+            </a:extLst>
+          </p:cNvPr>
+          <p:cNvSpPr>
+            <a:spLocks noGrp="1"/>
+          </p:cNvSpPr>
+          <p:nvPr>
+            <p:ph type="title"/>
+          </p:nvPr>
+        </p:nvSpPr>
+        <p:spPr>
+          <a:xfrm>
+            <a:off x="550863" y="4508500"/>
+            <a:ext cx="4500562" cy="1562959"/>
+          </a:xfrm>
+        </p:spPr>
+        <p:txBody>
+          <a:bodyPr/>
+          <a:lstStyle/>
+          <a:p>
+            <a:r>
+              <a:rPr lang="en-US" dirty="0"/>
+              <a:t>Summary</a:t>
+            </a:r>
+          </a:p>
+        </p:txBody>
+      </p:sp>
+      <p:pic>
+        <p:nvPicPr>
+          <p:cNvPr id="16" name="Picture Placeholder 15" descr="Data Points Digital background">
+            <a:extLst>
+              <a:ext uri="{FF2B5EF4-FFF2-40B4-BE49-F238E27FC236}">
+                <a16:creationId xmlns:a16="http://schemas.microsoft.com/office/drawing/2014/main" id="{361E9ADB-7377-4CF1-9AE4-AEFBDEBEEEEC}"/>
+              </a:ext>
+            </a:extLst>
+          </p:cNvPr>
+          <p:cNvPicPr>
+            <a:picLocks noGrp="1" noChangeAspect="1"/>
+          </p:cNvPicPr>
+          <p:nvPr>
+            <p:ph type="pic" sz="quarter" idx="13"/>
+          </p:nvPr>
+        </p:nvPicPr>
+        <p:blipFill rotWithShape="1">
+          <a:blip r:embed="rId3" cstate="screen">
+            <a:extLst>
+              <a:ext uri="{28A0092B-C50C-407E-A947-70E740481C1C}">
+                <a14:useLocalDpi xmlns:a14="http://schemas.microsoft.com/office/drawing/2010/main" val="0"/>
+              </a:ext>
+            </a:extLst>
+          </a:blip>
+          <a:srcRect/>
+          <a:stretch/>
+        </p:blipFill>
+        <p:spPr>
+          <a:xfrm>
+            <a:off x="0" y="0"/>
+            <a:ext cx="12192000" cy="3776472"/>
+          </a:xfrm>
+        </p:spPr>
+      </p:pic>
+      <p:sp>
+        <p:nvSpPr>
+          <p:cNvPr id="13" name="Content Placeholder 12">
+            <a:extLst>
+              <a:ext uri="{FF2B5EF4-FFF2-40B4-BE49-F238E27FC236}">
+                <a16:creationId xmlns:a16="http://schemas.microsoft.com/office/drawing/2014/main" id="{C0287FEC-3826-4868-8D93-52429C6156F5}"/>
+              </a:ext>
+            </a:extLst>
+          </p:cNvPr>
+          <p:cNvSpPr>
+            <a:spLocks noGrp="1"/>
+          </p:cNvSpPr>
+          <p:nvPr>
+            <p:ph sz="quarter" idx="15"/>
+          </p:nvPr>
+        </p:nvSpPr>
+        <p:spPr>
+          <a:xfrm>
+            <a:off x="3691468" y="3962400"/>
+            <a:ext cx="7792355" cy="2109788"/>
+          </a:xfrm>
+        </p:spPr>
+        <p:txBody>
+          <a:bodyPr>
+            <a:normAutofit fontScale="92500" lnSpcReduction="10000"/>
+          </a:bodyPr>
+          <a:lstStyle/>
+          <a:p>
+            <a:r>
+              <a:rPr lang="en-US" dirty="0"/>
+              <a:t>I am a Senior solution Architect with experience in the deployment of similar solutions in multiple enterprises. The solution provided above is the Holistic overview of how to address the problem statement, not only from core aspects but also on the security of the data. HIPAA and other compliance and are of utmost importance when it comes to personal data of the customer. The approach also need to have data governance in </a:t>
+            </a:r>
+            <a:r>
+              <a:rPr lang="en-US"/>
+              <a:t>place to </a:t>
+            </a:r>
+            <a:r>
+              <a:rPr lang="en-US" dirty="0"/>
+              <a:t>limit the data consumers to have limited and encrypted/masked data access.</a:t>
+            </a:r>
+          </a:p>
+        </p:txBody>
+      </p:sp>
+      <p:sp>
+        <p:nvSpPr>
+          <p:cNvPr id="4" name="Date Placeholder 3">
+            <a:extLst>
+              <a:ext uri="{FF2B5EF4-FFF2-40B4-BE49-F238E27FC236}">
+                <a16:creationId xmlns:a16="http://schemas.microsoft.com/office/drawing/2014/main" id="{0C329F70-04F7-4C70-BCF8-D4371F54EF2F}"/>
+              </a:ext>
+            </a:extLst>
+          </p:cNvPr>
+          <p:cNvSpPr>
+            <a:spLocks noGrp="1"/>
+          </p:cNvSpPr>
+          <p:nvPr>
+            <p:ph type="dt" sz="half" idx="10"/>
+          </p:nvPr>
+        </p:nvSpPr>
+        <p:spPr>
+          <a:xfrm>
+            <a:off x="550863" y="6507212"/>
+            <a:ext cx="2628900" cy="153888"/>
+          </a:xfrm>
+        </p:spPr>
+        <p:txBody>
+          <a:bodyPr/>
+          <a:lstStyle/>
+          <a:p>
+            <a:pPr marL="0" marR="0" lvl="0" indent="0" algn="l" defTabSz="914400" rtl="0" eaLnBrk="1" fontAlgn="auto" latinLnBrk="0" hangingPunct="1">
+              <a:lnSpc>
+                <a:spcPct val="100000"/>
+              </a:lnSpc>
+              <a:spcBef>
+                <a:spcPts val="0"/>
+              </a:spcBef>
+              <a:spcAft>
+                <a:spcPts val="0"/>
+              </a:spcAft>
+              <a:buClrTx/>
+              <a:buSzTx/>
+              <a:buFontTx/>
+              <a:buNone/>
+              <a:tabLst/>
+              <a:defRPr/>
+            </a:pPr>
+            <a:r>
+              <a:rPr kumimoji="0" lang="en-US" sz="1000" b="0" i="0" u="none" strike="noStrike" kern="1200" cap="none" spc="0" normalizeH="0" baseline="0" noProof="0">
+                <a:ln>
+                  <a:noFill/>
+                </a:ln>
+                <a:solidFill>
+                  <a:prstClr val="white">
+                    <a:lumMod val="65000"/>
+                    <a:alpha val="80000"/>
+                  </a:prstClr>
+                </a:solidFill>
+                <a:effectLst/>
+                <a:uLnTx/>
+                <a:uFillTx/>
+                <a:latin typeface="Gill Sans MT"/>
+                <a:ea typeface="+mn-ea"/>
+                <a:cs typeface="+mn-cs"/>
+              </a:rPr>
+              <a:t>Tuesday, February 2, 20XX</a:t>
+            </a:r>
+            <a:endParaRPr kumimoji="0" lang="en-US" sz="1000" b="0" i="0" u="none" strike="noStrike" kern="1200" cap="none" spc="0" normalizeH="0" baseline="0" noProof="0" dirty="0">
+              <a:ln>
+                <a:noFill/>
+              </a:ln>
+              <a:solidFill>
+                <a:prstClr val="white">
+                  <a:lumMod val="65000"/>
+                  <a:alpha val="80000"/>
+                </a:prstClr>
+              </a:solidFill>
+              <a:effectLst/>
+              <a:uLnTx/>
+              <a:uFillTx/>
+              <a:latin typeface="Gill Sans MT"/>
+              <a:ea typeface="+mn-ea"/>
+              <a:cs typeface="+mn-cs"/>
+            </a:endParaRPr>
+          </a:p>
+        </p:txBody>
+      </p:sp>
+      <p:sp>
+        <p:nvSpPr>
+          <p:cNvPr id="5" name="Footer Placeholder 4">
+            <a:extLst>
+              <a:ext uri="{FF2B5EF4-FFF2-40B4-BE49-F238E27FC236}">
+                <a16:creationId xmlns:a16="http://schemas.microsoft.com/office/drawing/2014/main" id="{06A3302E-502D-4151-81C9-5FD6AF9596D6}"/>
+              </a:ext>
+            </a:extLst>
+          </p:cNvPr>
+          <p:cNvSpPr>
+            <a:spLocks noGrp="1"/>
+          </p:cNvSpPr>
+          <p:nvPr>
+            <p:ph type="ftr" sz="quarter" idx="11"/>
+          </p:nvPr>
+        </p:nvSpPr>
+        <p:spPr>
+          <a:xfrm>
+            <a:off x="3359150" y="6507212"/>
+            <a:ext cx="6379210" cy="153888"/>
+          </a:xfrm>
+        </p:spPr>
+        <p:txBody>
+          <a:bodyPr/>
+          <a:lstStyle/>
+          <a:p>
+            <a:pPr marL="0" marR="0" lvl="0" indent="0" algn="l" defTabSz="914400" rtl="0" eaLnBrk="1" fontAlgn="auto" latinLnBrk="0" hangingPunct="1">
+              <a:lnSpc>
+                <a:spcPct val="100000"/>
+              </a:lnSpc>
+              <a:spcBef>
+                <a:spcPts val="0"/>
+              </a:spcBef>
+              <a:spcAft>
+                <a:spcPts val="0"/>
+              </a:spcAft>
+              <a:buClrTx/>
+              <a:buSzTx/>
+              <a:buFontTx/>
+              <a:buNone/>
+              <a:tabLst/>
+              <a:defRPr/>
+            </a:pPr>
+            <a:r>
+              <a:rPr kumimoji="0" lang="en-US" sz="1000" b="0" i="0" u="none" strike="noStrike" kern="1200" cap="none" spc="0" normalizeH="0" baseline="0" noProof="0">
+                <a:ln>
+                  <a:noFill/>
+                </a:ln>
+                <a:solidFill>
+                  <a:prstClr val="white">
+                    <a:lumMod val="65000"/>
+                    <a:alpha val="80000"/>
+                  </a:prstClr>
+                </a:solidFill>
+                <a:effectLst/>
+                <a:uLnTx/>
+                <a:uFillTx/>
+                <a:latin typeface="Gill Sans MT"/>
+                <a:ea typeface="+mn-ea"/>
+                <a:cs typeface="+mn-cs"/>
+              </a:rPr>
+              <a:t>Sample Footer Text</a:t>
+            </a:r>
+          </a:p>
+        </p:txBody>
+      </p:sp>
+      <p:sp>
+        <p:nvSpPr>
+          <p:cNvPr id="6" name="Slide Number Placeholder 5">
+            <a:extLst>
+              <a:ext uri="{FF2B5EF4-FFF2-40B4-BE49-F238E27FC236}">
+                <a16:creationId xmlns:a16="http://schemas.microsoft.com/office/drawing/2014/main" id="{9ED907F8-C614-4D59-A03F-BF9CD5E35703}"/>
+              </a:ext>
+            </a:extLst>
+          </p:cNvPr>
+          <p:cNvSpPr>
+            <a:spLocks noGrp="1"/>
+          </p:cNvSpPr>
+          <p:nvPr>
+            <p:ph type="sldNum" sz="quarter" idx="12"/>
+          </p:nvPr>
+        </p:nvSpPr>
+        <p:spPr>
+          <a:xfrm>
+            <a:off x="9948863" y="6507212"/>
+            <a:ext cx="1692274" cy="153888"/>
+          </a:xfrm>
+        </p:spPr>
+        <p:txBody>
+          <a:bodyPr/>
+          <a:lstStyle/>
+          <a:p>
+            <a:pPr marL="0" marR="0" lvl="0" indent="0" algn="r" defTabSz="914400" rtl="0" eaLnBrk="1" fontAlgn="auto" latinLnBrk="0" hangingPunct="1">
+              <a:lnSpc>
+                <a:spcPct val="100000"/>
+              </a:lnSpc>
+              <a:spcBef>
+                <a:spcPts val="0"/>
+              </a:spcBef>
+              <a:spcAft>
+                <a:spcPts val="0"/>
+              </a:spcAft>
+              <a:buClrTx/>
+              <a:buSzTx/>
+              <a:buFontTx/>
+              <a:buNone/>
+              <a:tabLst/>
+              <a:defRPr/>
+            </a:pPr>
+            <a:fld id="{DBA1B0FB-D917-4C8C-928F-313BD683BF39}" type="slidenum">
+              <a:rPr kumimoji="0" lang="en-US" sz="1000" b="0" i="0" u="none" strike="noStrike" kern="1200" cap="none" spc="0" normalizeH="0" baseline="0" noProof="0" smtClean="0">
+                <a:ln>
+                  <a:noFill/>
+                </a:ln>
+                <a:solidFill>
+                  <a:prstClr val="white">
+                    <a:lumMod val="65000"/>
+                    <a:alpha val="80000"/>
+                  </a:prstClr>
+                </a:solidFill>
+                <a:effectLst/>
+                <a:uLnTx/>
+                <a:uFillTx/>
+                <a:latin typeface="Gill Sans MT"/>
+                <a:ea typeface="+mn-ea"/>
+                <a:cs typeface="+mn-cs"/>
+              </a:rPr>
+              <a:pPr marL="0" marR="0" lvl="0" indent="0" algn="r" defTabSz="914400" rtl="0" eaLnBrk="1" fontAlgn="auto" latinLnBrk="0" hangingPunct="1">
+                <a:lnSpc>
+                  <a:spcPct val="100000"/>
+                </a:lnSpc>
+                <a:spcBef>
+                  <a:spcPts val="0"/>
+                </a:spcBef>
+                <a:spcAft>
+                  <a:spcPts val="0"/>
+                </a:spcAft>
+                <a:buClrTx/>
+                <a:buSzTx/>
+                <a:buFontTx/>
+                <a:buNone/>
+                <a:tabLst/>
+                <a:defRPr/>
+              </a:pPr>
+              <a:t>11</a:t>
+            </a:fld>
+            <a:endParaRPr kumimoji="0" lang="en-US" sz="1000" b="0" i="0" u="none" strike="noStrike" kern="1200" cap="none" spc="0" normalizeH="0" baseline="0" noProof="0">
+              <a:ln>
+                <a:noFill/>
+              </a:ln>
+              <a:solidFill>
+                <a:prstClr val="white">
+                  <a:lumMod val="65000"/>
+                  <a:alpha val="80000"/>
+                </a:prstClr>
+              </a:solidFill>
+              <a:effectLst/>
+              <a:uLnTx/>
+              <a:uFillTx/>
+              <a:latin typeface="Gill Sans MT"/>
+              <a:ea typeface="+mn-ea"/>
+              <a:cs typeface="+mn-cs"/>
+            </a:endParaRPr>
+          </a:p>
+        </p:txBody>
+      </p:sp>
+      <p:sp>
+        <p:nvSpPr>
+          <p:cNvPr id="8" name="Subtitle 15">
+            <a:extLst>
+              <a:ext uri="{FF2B5EF4-FFF2-40B4-BE49-F238E27FC236}">
+                <a16:creationId xmlns:a16="http://schemas.microsoft.com/office/drawing/2014/main" id="{8527D500-698E-DACC-2713-C75CA92CF969}"/>
+              </a:ext>
+            </a:extLst>
+          </p:cNvPr>
+          <p:cNvSpPr txBox="1">
+            <a:spLocks/>
+          </p:cNvSpPr>
+          <p:nvPr/>
+        </p:nvSpPr>
+        <p:spPr>
+          <a:xfrm>
+            <a:off x="550864" y="5113866"/>
+            <a:ext cx="3140604" cy="978959"/>
+          </a:xfrm>
+          <a:prstGeom prst="rect">
+            <a:avLst/>
+          </a:prstGeom>
+        </p:spPr>
+        <p:txBody>
+          <a:bodyPr vert="horz" wrap="square" lIns="0" tIns="0" rIns="0" bIns="0" rtlCol="0">
+            <a:normAutofit/>
+          </a:bodyPr>
+          <a:lstStyle>
+            <a:lvl1pPr marL="228600" indent="-228600" algn="l" defTabSz="914400" rtl="0" eaLnBrk="1" latinLnBrk="0" hangingPunct="1">
+              <a:lnSpc>
+                <a:spcPct val="110000"/>
+              </a:lnSpc>
+              <a:spcBef>
+                <a:spcPts val="1000"/>
+              </a:spcBef>
+              <a:spcAft>
+                <a:spcPts val="800"/>
+              </a:spcAft>
+              <a:buFont typeface="Arial" panose="020B0604020202020204" pitchFamily="34" charset="0"/>
+              <a:buChar char="•"/>
+              <a:defRPr sz="2000" kern="1200">
+                <a:solidFill>
+                  <a:schemeClr val="tx1">
+                    <a:alpha val="60000"/>
+                  </a:schemeClr>
+                </a:solidFill>
+                <a:latin typeface="+mn-lt"/>
+                <a:ea typeface="+mn-ea"/>
+                <a:cs typeface="+mn-cs"/>
+              </a:defRPr>
+            </a:lvl1pPr>
+            <a:lvl2pPr marL="685800" indent="-228600" algn="l" defTabSz="914400" rtl="0" eaLnBrk="1" latinLnBrk="0" hangingPunct="1">
+              <a:lnSpc>
+                <a:spcPct val="110000"/>
+              </a:lnSpc>
+              <a:spcBef>
+                <a:spcPts val="500"/>
+              </a:spcBef>
+              <a:spcAft>
+                <a:spcPts val="800"/>
+              </a:spcAft>
+              <a:buFont typeface="Arial" panose="020B0604020202020204" pitchFamily="34" charset="0"/>
+              <a:buChar char="•"/>
+              <a:defRPr sz="1400" kern="1200">
+                <a:solidFill>
+                  <a:schemeClr val="tx1">
+                    <a:alpha val="60000"/>
+                  </a:schemeClr>
+                </a:solidFill>
+                <a:latin typeface="+mn-lt"/>
+                <a:ea typeface="+mn-ea"/>
+                <a:cs typeface="+mn-cs"/>
+              </a:defRPr>
+            </a:lvl2pPr>
+            <a:lvl3pPr marL="1143000" indent="-228600" algn="l" defTabSz="914400" rtl="0" eaLnBrk="1" latinLnBrk="0" hangingPunct="1">
+              <a:lnSpc>
+                <a:spcPct val="110000"/>
+              </a:lnSpc>
+              <a:spcBef>
+                <a:spcPts val="500"/>
+              </a:spcBef>
+              <a:spcAft>
+                <a:spcPts val="800"/>
+              </a:spcAft>
+              <a:buFont typeface="Arial" panose="020B0604020202020204" pitchFamily="34" charset="0"/>
+              <a:buChar char="•"/>
+              <a:defRPr sz="1400" kern="1200">
+                <a:solidFill>
+                  <a:schemeClr val="tx1">
+                    <a:alpha val="60000"/>
+                  </a:schemeClr>
+                </a:solidFill>
+                <a:latin typeface="+mn-lt"/>
+                <a:ea typeface="+mn-ea"/>
+                <a:cs typeface="+mn-cs"/>
+              </a:defRPr>
+            </a:lvl3pPr>
+            <a:lvl4pPr marL="1600200" indent="-228600" algn="l" defTabSz="914400" rtl="0" eaLnBrk="1" latinLnBrk="0" hangingPunct="1">
+              <a:lnSpc>
+                <a:spcPct val="110000"/>
+              </a:lnSpc>
+              <a:spcBef>
+                <a:spcPts val="500"/>
+              </a:spcBef>
+              <a:spcAft>
+                <a:spcPts val="800"/>
+              </a:spcAft>
+              <a:buFont typeface="Arial" panose="020B0604020202020204" pitchFamily="34" charset="0"/>
+              <a:buChar char="•"/>
+              <a:defRPr sz="1400" kern="1200">
+                <a:solidFill>
+                  <a:schemeClr val="tx1">
+                    <a:alpha val="60000"/>
+                  </a:schemeClr>
+                </a:solidFill>
+                <a:latin typeface="+mn-lt"/>
+                <a:ea typeface="+mn-ea"/>
+                <a:cs typeface="+mn-cs"/>
+              </a:defRPr>
+            </a:lvl4pPr>
+            <a:lvl5pPr marL="2057400" indent="-228600" algn="l" defTabSz="914400" rtl="0" eaLnBrk="1" latinLnBrk="0" hangingPunct="1">
+              <a:lnSpc>
+                <a:spcPct val="110000"/>
+              </a:lnSpc>
+              <a:spcBef>
+                <a:spcPts val="500"/>
+              </a:spcBef>
+              <a:spcAft>
+                <a:spcPts val="800"/>
+              </a:spcAft>
+              <a:buFont typeface="Arial" panose="020B0604020202020204" pitchFamily="34" charset="0"/>
+              <a:buChar char="•"/>
+              <a:defRPr sz="1400" kern="1200">
+                <a:solidFill>
+                  <a:schemeClr val="tx1">
+                    <a:alpha val="60000"/>
+                  </a:schemeClr>
+                </a:solidFill>
+                <a:latin typeface="+mn-lt"/>
+                <a:ea typeface="+mn-ea"/>
+                <a:cs typeface="+mn-cs"/>
+              </a:defRPr>
+            </a:lvl5pPr>
+            <a:lvl6pPr marL="2514600" indent="-228600" algn="l" defTabSz="914400" rtl="0" eaLnBrk="1" latinLnBrk="0" hangingPunct="1">
+              <a:lnSpc>
+                <a:spcPct val="90000"/>
+              </a:lnSpc>
+              <a:spcBef>
+                <a:spcPts val="500"/>
+              </a:spcBef>
+              <a:buFont typeface="Arial" panose="020B0604020202020204" pitchFamily="34" charset="0"/>
+              <a:buChar char="•"/>
+              <a:defRPr sz="1800" kern="1200">
+                <a:solidFill>
+                  <a:schemeClr val="tx1"/>
+                </a:solidFill>
+                <a:latin typeface="+mn-lt"/>
+                <a:ea typeface="+mn-ea"/>
+                <a:cs typeface="+mn-cs"/>
+              </a:defRPr>
+            </a:lvl6pPr>
+            <a:lvl7pPr marL="2971800" indent="-228600" algn="l" defTabSz="914400" rtl="0" eaLnBrk="1" latinLnBrk="0" hangingPunct="1">
+              <a:lnSpc>
+                <a:spcPct val="90000"/>
+              </a:lnSpc>
+              <a:spcBef>
+                <a:spcPts val="500"/>
+              </a:spcBef>
+              <a:buFont typeface="Arial" panose="020B0604020202020204" pitchFamily="34" charset="0"/>
+              <a:buChar char="•"/>
+              <a:defRPr sz="1800" kern="1200">
+                <a:solidFill>
+                  <a:schemeClr val="tx1"/>
+                </a:solidFill>
+                <a:latin typeface="+mn-lt"/>
+                <a:ea typeface="+mn-ea"/>
+                <a:cs typeface="+mn-cs"/>
+              </a:defRPr>
+            </a:lvl7pPr>
+            <a:lvl8pPr marL="3429000" indent="-228600" algn="l" defTabSz="914400" rtl="0" eaLnBrk="1" latinLnBrk="0" hangingPunct="1">
+              <a:lnSpc>
+                <a:spcPct val="90000"/>
+              </a:lnSpc>
+              <a:spcBef>
+                <a:spcPts val="500"/>
+              </a:spcBef>
+              <a:buFont typeface="Arial" panose="020B0604020202020204" pitchFamily="34" charset="0"/>
+              <a:buChar char="•"/>
+              <a:defRPr sz="1800" kern="1200">
+                <a:solidFill>
+                  <a:schemeClr val="tx1"/>
+                </a:solidFill>
+                <a:latin typeface="+mn-lt"/>
+                <a:ea typeface="+mn-ea"/>
+                <a:cs typeface="+mn-cs"/>
+              </a:defRPr>
+            </a:lvl8pPr>
+            <a:lvl9pPr marL="3886200" indent="-228600" algn="l" defTabSz="914400" rtl="0" eaLnBrk="1" latinLnBrk="0" hangingPunct="1">
+              <a:lnSpc>
+                <a:spcPct val="90000"/>
+              </a:lnSpc>
+              <a:spcBef>
+                <a:spcPts val="500"/>
+              </a:spcBef>
+              <a:buFont typeface="Arial" panose="020B0604020202020204" pitchFamily="34" charset="0"/>
+              <a:buChar char="•"/>
+              <a:defRPr sz="1800" kern="1200">
+                <a:solidFill>
+                  <a:schemeClr val="tx1"/>
+                </a:solidFill>
+                <a:latin typeface="+mn-lt"/>
+                <a:ea typeface="+mn-ea"/>
+                <a:cs typeface="+mn-cs"/>
+              </a:defRPr>
+            </a:lvl9pPr>
+          </a:lstStyle>
+          <a:p>
+            <a:pPr marL="0" indent="0">
+              <a:lnSpc>
+                <a:spcPct val="100000"/>
+              </a:lnSpc>
+              <a:buFont typeface="Arial" panose="020B0604020202020204" pitchFamily="34" charset="0"/>
+              <a:buNone/>
+            </a:pPr>
+            <a:r>
+              <a:rPr lang="en-US" dirty="0"/>
+              <a:t>Why consider my solution</a:t>
+            </a:r>
+          </a:p>
+        </p:txBody>
+      </p:sp>
+    </p:spTree>
+    <p:extLst>
+      <p:ext uri="{BB962C8B-B14F-4D97-AF65-F5344CB8AC3E}">
+        <p14:creationId xmlns:p14="http://schemas.microsoft.com/office/powerpoint/2010/main" val="3521561301"/>
+      </p:ext>
+    </p:extLst>
+  </p:cSld>
+  <p:clrMapOvr>
+    <a:masterClrMapping/>
+  </p:clrMapOvr>
+</p:sld>
+</file>
+
+<file path=ppt/slides/slide12.xml><?xml version="1.0" encoding="utf-8"?>
+<p:sld xmlns:a="http://schemas.openxmlformats.org/drawingml/2006/main" xmlns:r="http://schemas.openxmlformats.org/officeDocument/2006/relationships" xmlns:p="http://schemas.openxmlformats.org/presentationml/2006/main">
+  <p:cSld>
+    <p:spTree>
+      <p:nvGrpSpPr>
+        <p:cNvPr id="1" name=""/>
+        <p:cNvGrpSpPr/>
+        <p:nvPr/>
+      </p:nvGrpSpPr>
+      <p:grpSpPr>
+        <a:xfrm>
+          <a:off x="0" y="0"/>
+          <a:ext cx="0" cy="0"/>
+          <a:chOff x="0" y="0"/>
+          <a:chExt cx="0" cy="0"/>
+        </a:xfrm>
+      </p:grpSpPr>
+      <p:sp>
+        <p:nvSpPr>
           <p:cNvPr id="22" name="Title 21">
             <a:extLst>
               <a:ext uri="{FF2B5EF4-FFF2-40B4-BE49-F238E27FC236}">
@@ -17933,7 +18698,7 @@
             <a:fld id="{DBA1B0FB-D917-4C8C-928F-313BD683BF39}" type="slidenum">
               <a:rPr lang="en-US" smtClean="0"/>
               <a:pPr/>
-              <a:t>11</a:t>
+              <a:t>12</a:t>
             </a:fld>
             <a:endParaRPr lang="en-US"/>
           </a:p>
@@ -24043,21 +24808,6 @@
 </file>
 
 <file path=customXml/item1.xml><?xml version="1.0" encoding="utf-8"?>
-<p:properties xmlns:p="http://schemas.microsoft.com/office/2006/metadata/properties" xmlns:xsi="http://www.w3.org/2001/XMLSchema-instance" xmlns:pc="http://schemas.microsoft.com/office/infopath/2007/PartnerControls">
-  <documentManagement/>
-</p:properties>
-</file>
-
-<file path=customXml/item2.xml><?xml version="1.0" encoding="utf-8"?>
-<?mso-contentType ?>
-<FormTemplates xmlns="http://schemas.microsoft.com/sharepoint/v3/contenttype/forms">
-  <Display>DocumentLibraryForm</Display>
-  <Edit>DocumentLibraryForm</Edit>
-  <New>DocumentLibraryForm</New>
-</FormTemplates>
-</file>
-
-<file path=customXml/item3.xml><?xml version="1.0" encoding="utf-8"?>
 <ct:contentTypeSchema xmlns:ct="http://schemas.microsoft.com/office/2006/metadata/contentType" xmlns:ma="http://schemas.microsoft.com/office/2006/metadata/properties/metaAttributes" ct:_="" ma:_="" ma:contentTypeName="Document" ma:contentTypeID="0x010100282F576C1EC1384DAEB56C987DF40885" ma:contentTypeVersion="10" ma:contentTypeDescription="Create a new document." ma:contentTypeScope="" ma:versionID="6fa09023a5713ac05163782eefd60bc7">
   <xsd:schema xmlns:xsd="http://www.w3.org/2001/XMLSchema" xmlns:xs="http://www.w3.org/2001/XMLSchema" xmlns:p="http://schemas.microsoft.com/office/2006/metadata/properties" xmlns:ns3="0267f90c-5458-44b9-8213-df9f3908b120" xmlns:ns4="b3dcf84b-e756-49a5-81a9-e67c55045e1c" targetNamespace="http://schemas.microsoft.com/office/2006/metadata/properties" ma:root="true" ma:fieldsID="5d0bf87a19b0e42d5a1a938b2e5278b4" ns3:_="" ns4:_="">
     <xsd:import namespace="0267f90c-5458-44b9-8213-df9f3908b120"/>
@@ -24258,32 +25008,22 @@
 </ct:contentTypeSchema>
 </file>
 
-<file path=customXml/itemProps1.xml><?xml version="1.0" encoding="utf-8"?>
-<ds:datastoreItem xmlns:ds="http://schemas.openxmlformats.org/officeDocument/2006/customXml" ds:itemID="{50811A92-D464-4AC4-A396-BA73B10CEEAC}">
-  <ds:schemaRefs>
-    <ds:schemaRef ds:uri="http://purl.org/dc/dcmitype/"/>
-    <ds:schemaRef ds:uri="http://purl.org/dc/terms/"/>
-    <ds:schemaRef ds:uri="http://schemas.microsoft.com/office/2006/metadata/properties"/>
-    <ds:schemaRef ds:uri="http://schemas.microsoft.com/office/2006/documentManagement/types"/>
-    <ds:schemaRef ds:uri="http://schemas.openxmlformats.org/package/2006/metadata/core-properties"/>
-    <ds:schemaRef ds:uri="b3dcf84b-e756-49a5-81a9-e67c55045e1c"/>
-    <ds:schemaRef ds:uri="http://schemas.microsoft.com/office/infopath/2007/PartnerControls"/>
-    <ds:schemaRef ds:uri="0267f90c-5458-44b9-8213-df9f3908b120"/>
-    <ds:schemaRef ds:uri="http://www.w3.org/XML/1998/namespace"/>
-    <ds:schemaRef ds:uri="http://purl.org/dc/elements/1.1/"/>
-  </ds:schemaRefs>
-</ds:datastoreItem>
+<file path=customXml/item2.xml><?xml version="1.0" encoding="utf-8"?>
+<?mso-contentType ?>
+<FormTemplates xmlns="http://schemas.microsoft.com/sharepoint/v3/contenttype/forms">
+  <Display>DocumentLibraryForm</Display>
+  <Edit>DocumentLibraryForm</Edit>
+  <New>DocumentLibraryForm</New>
+</FormTemplates>
 </file>
 
-<file path=customXml/itemProps2.xml><?xml version="1.0" encoding="utf-8"?>
-<ds:datastoreItem xmlns:ds="http://schemas.openxmlformats.org/officeDocument/2006/customXml" ds:itemID="{904751AB-E840-446F-8D49-E697067EC887}">
-  <ds:schemaRefs>
-    <ds:schemaRef ds:uri="http://schemas.microsoft.com/sharepoint/v3/contenttype/forms"/>
-  </ds:schemaRefs>
-</ds:datastoreItem>
+<file path=customXml/item3.xml><?xml version="1.0" encoding="utf-8"?>
+<p:properties xmlns:p="http://schemas.microsoft.com/office/2006/metadata/properties" xmlns:xsi="http://www.w3.org/2001/XMLSchema-instance" xmlns:pc="http://schemas.microsoft.com/office/infopath/2007/PartnerControls">
+  <documentManagement/>
+</p:properties>
 </file>
 
-<file path=customXml/itemProps3.xml><?xml version="1.0" encoding="utf-8"?>
+<file path=customXml/itemProps1.xml><?xml version="1.0" encoding="utf-8"?>
 <ds:datastoreItem xmlns:ds="http://schemas.openxmlformats.org/officeDocument/2006/customXml" ds:itemID="{D21376A0-B20D-4B22-A253-25679A1578B1}">
   <ds:schemaRefs>
     <ds:schemaRef ds:uri="http://schemas.microsoft.com/office/2006/metadata/contentType"/>
@@ -24302,6 +25042,31 @@
 </ds:datastoreItem>
 </file>
 
+<file path=customXml/itemProps2.xml><?xml version="1.0" encoding="utf-8"?>
+<ds:datastoreItem xmlns:ds="http://schemas.openxmlformats.org/officeDocument/2006/customXml" ds:itemID="{904751AB-E840-446F-8D49-E697067EC887}">
+  <ds:schemaRefs>
+    <ds:schemaRef ds:uri="http://schemas.microsoft.com/sharepoint/v3/contenttype/forms"/>
+  </ds:schemaRefs>
+</ds:datastoreItem>
+</file>
+
+<file path=customXml/itemProps3.xml><?xml version="1.0" encoding="utf-8"?>
+<ds:datastoreItem xmlns:ds="http://schemas.openxmlformats.org/officeDocument/2006/customXml" ds:itemID="{50811A92-D464-4AC4-A396-BA73B10CEEAC}">
+  <ds:schemaRefs>
+    <ds:schemaRef ds:uri="http://purl.org/dc/dcmitype/"/>
+    <ds:schemaRef ds:uri="http://purl.org/dc/terms/"/>
+    <ds:schemaRef ds:uri="http://schemas.microsoft.com/office/2006/metadata/properties"/>
+    <ds:schemaRef ds:uri="http://schemas.microsoft.com/office/2006/documentManagement/types"/>
+    <ds:schemaRef ds:uri="http://schemas.openxmlformats.org/package/2006/metadata/core-properties"/>
+    <ds:schemaRef ds:uri="b3dcf84b-e756-49a5-81a9-e67c55045e1c"/>
+    <ds:schemaRef ds:uri="http://schemas.microsoft.com/office/infopath/2007/PartnerControls"/>
+    <ds:schemaRef ds:uri="0267f90c-5458-44b9-8213-df9f3908b120"/>
+    <ds:schemaRef ds:uri="http://www.w3.org/XML/1998/namespace"/>
+    <ds:schemaRef ds:uri="http://purl.org/dc/elements/1.1/"/>
+  </ds:schemaRefs>
+</ds:datastoreItem>
+</file>
+
 <file path=docMetadata/LabelInfo.xml><?xml version="1.0" encoding="utf-8"?>
 <clbl:labelList xmlns:clbl="http://schemas.microsoft.com/office/2020/mipLabelMetadata">
   <clbl:label id="{f42aa342-8706-4288-bd11-ebb85995028c}" enabled="1" method="Standard" siteId="{72f988bf-86f1-41af-91ab-2d7cd011db47}" contentBits="0" removed="0"/>

--- a/Image Document Optimizer.pptx
+++ b/Image Document Optimizer.pptx
@@ -4248,7 +4248,7 @@
           <a:p>
             <a:fld id="{C17F2C1D-F243-42AB-ADF2-E7CB4E04900E}" type="datetimeFigureOut">
               <a:rPr lang="en-US" smtClean="0"/>
-              <a:t>5/15/2022</a:t>
+              <a:t>5/19/2022</a:t>
             </a:fld>
             <a:endParaRPr lang="en-US"/>
           </a:p>
@@ -4425,7 +4425,7 @@
           <a:p>
             <a:fld id="{020CE34E-5667-4A32-A6BA-10C7A552BC63}" type="datetimeFigureOut">
               <a:rPr lang="en-US" smtClean="0"/>
-              <a:t>5/15/2022</a:t>
+              <a:t>5/19/2022</a:t>
             </a:fld>
             <a:endParaRPr lang="en-US"/>
           </a:p>
@@ -17618,73 +17618,6 @@
       </p:graphicFrame>
       <p:sp>
         <p:nvSpPr>
-          <p:cNvPr id="2" name="Date Placeholder 1">
-            <a:extLst>
-              <a:ext uri="{FF2B5EF4-FFF2-40B4-BE49-F238E27FC236}">
-                <a16:creationId xmlns:a16="http://schemas.microsoft.com/office/drawing/2014/main" id="{81FCAF0A-629F-4EC6-B3E6-563ED999F360}"/>
-              </a:ext>
-            </a:extLst>
-          </p:cNvPr>
-          <p:cNvSpPr>
-            <a:spLocks noGrp="1"/>
-          </p:cNvSpPr>
-          <p:nvPr>
-            <p:ph type="dt" sz="half" idx="10"/>
-          </p:nvPr>
-        </p:nvSpPr>
-        <p:spPr>
-          <a:xfrm>
-            <a:off x="550863" y="6507212"/>
-            <a:ext cx="2628900" cy="153888"/>
-          </a:xfrm>
-        </p:spPr>
-        <p:txBody>
-          <a:bodyPr/>
-          <a:lstStyle/>
-          <a:p>
-            <a:r>
-              <a:rPr lang="en-US"/>
-              <a:t>Tuesday, February 2, 20XX</a:t>
-            </a:r>
-            <a:endParaRPr lang="en-US" dirty="0"/>
-          </a:p>
-        </p:txBody>
-      </p:sp>
-      <p:sp>
-        <p:nvSpPr>
-          <p:cNvPr id="7" name="Footer Placeholder 6">
-            <a:extLst>
-              <a:ext uri="{FF2B5EF4-FFF2-40B4-BE49-F238E27FC236}">
-                <a16:creationId xmlns:a16="http://schemas.microsoft.com/office/drawing/2014/main" id="{920A7C57-D6C5-4BA0-AB3C-41D4E3436B0E}"/>
-              </a:ext>
-            </a:extLst>
-          </p:cNvPr>
-          <p:cNvSpPr>
-            <a:spLocks noGrp="1"/>
-          </p:cNvSpPr>
-          <p:nvPr>
-            <p:ph type="ftr" sz="quarter" idx="11"/>
-          </p:nvPr>
-        </p:nvSpPr>
-        <p:spPr>
-          <a:xfrm>
-            <a:off x="3359150" y="6507212"/>
-            <a:ext cx="6379210" cy="153888"/>
-          </a:xfrm>
-        </p:spPr>
-        <p:txBody>
-          <a:bodyPr/>
-          <a:lstStyle/>
-          <a:p>
-            <a:r>
-              <a:rPr lang="en-US"/>
-              <a:t>Sample Footer Text</a:t>
-            </a:r>
-          </a:p>
-        </p:txBody>
-      </p:sp>
-      <p:sp>
-        <p:nvSpPr>
           <p:cNvPr id="6" name="Slide Number Placeholder 5">
             <a:extLst>
               <a:ext uri="{FF2B5EF4-FFF2-40B4-BE49-F238E27FC236}">
@@ -17934,155 +17867,6 @@
             <a:r>
               <a:rPr lang="en-US" dirty="0"/>
               <a:t>limit the data consumers to have limited and encrypted/masked data access.</a:t>
-            </a:r>
-          </a:p>
-        </p:txBody>
-      </p:sp>
-      <p:sp>
-        <p:nvSpPr>
-          <p:cNvPr id="4" name="Date Placeholder 3">
-            <a:extLst>
-              <a:ext uri="{FF2B5EF4-FFF2-40B4-BE49-F238E27FC236}">
-                <a16:creationId xmlns:a16="http://schemas.microsoft.com/office/drawing/2014/main" id="{0C329F70-04F7-4C70-BCF8-D4371F54EF2F}"/>
-              </a:ext>
-            </a:extLst>
-          </p:cNvPr>
-          <p:cNvSpPr>
-            <a:spLocks noGrp="1"/>
-          </p:cNvSpPr>
-          <p:nvPr>
-            <p:ph type="dt" sz="half" idx="10"/>
-          </p:nvPr>
-        </p:nvSpPr>
-        <p:spPr>
-          <a:xfrm>
-            <a:off x="550863" y="6507212"/>
-            <a:ext cx="2628900" cy="153888"/>
-          </a:xfrm>
-        </p:spPr>
-        <p:txBody>
-          <a:bodyPr/>
-          <a:lstStyle/>
-          <a:p>
-            <a:pPr marL="0" marR="0" lvl="0" indent="0" algn="l" defTabSz="914400" rtl="0" eaLnBrk="1" fontAlgn="auto" latinLnBrk="0" hangingPunct="1">
-              <a:lnSpc>
-                <a:spcPct val="100000"/>
-              </a:lnSpc>
-              <a:spcBef>
-                <a:spcPts val="0"/>
-              </a:spcBef>
-              <a:spcAft>
-                <a:spcPts val="0"/>
-              </a:spcAft>
-              <a:buClrTx/>
-              <a:buSzTx/>
-              <a:buFontTx/>
-              <a:buNone/>
-              <a:tabLst/>
-              <a:defRPr/>
-            </a:pPr>
-            <a:r>
-              <a:rPr kumimoji="0" lang="en-US" sz="1000" b="0" i="0" u="none" strike="noStrike" kern="1200" cap="none" spc="0" normalizeH="0" baseline="0" noProof="0">
-                <a:ln>
-                  <a:noFill/>
-                </a:ln>
-                <a:solidFill>
-                  <a:prstClr val="white">
-                    <a:lumMod val="65000"/>
-                    <a:alpha val="80000"/>
-                  </a:prstClr>
-                </a:solidFill>
-                <a:effectLst/>
-                <a:uLnTx/>
-                <a:uFillTx/>
-                <a:latin typeface="Gill Sans MT"/>
-                <a:ea typeface="+mn-ea"/>
-                <a:cs typeface="+mn-cs"/>
-              </a:rPr>
-              <a:t>Tuesday, February 2, 20XX</a:t>
-            </a:r>
-            <a:endParaRPr kumimoji="0" lang="en-US" sz="1000" b="0" i="0" u="none" strike="noStrike" kern="1200" cap="none" spc="0" normalizeH="0" baseline="0" noProof="0" dirty="0">
-              <a:ln>
-                <a:noFill/>
-              </a:ln>
-              <a:solidFill>
-                <a:prstClr val="white">
-                  <a:lumMod val="65000"/>
-                  <a:alpha val="80000"/>
-                </a:prstClr>
-              </a:solidFill>
-              <a:effectLst/>
-              <a:uLnTx/>
-              <a:uFillTx/>
-              <a:latin typeface="Gill Sans MT"/>
-              <a:ea typeface="+mn-ea"/>
-              <a:cs typeface="+mn-cs"/>
-            </a:endParaRPr>
-          </a:p>
-        </p:txBody>
-      </p:sp>
-      <p:sp>
-        <p:nvSpPr>
-          <p:cNvPr id="5" name="Footer Placeholder 4">
-            <a:extLst>
-              <a:ext uri="{FF2B5EF4-FFF2-40B4-BE49-F238E27FC236}">
-                <a16:creationId xmlns:a16="http://schemas.microsoft.com/office/drawing/2014/main" id="{06A3302E-502D-4151-81C9-5FD6AF9596D6}"/>
-              </a:ext>
-            </a:extLst>
-          </p:cNvPr>
-          <p:cNvSpPr>
-            <a:spLocks noGrp="1"/>
-          </p:cNvSpPr>
-          <p:nvPr>
-            <p:ph type="ftr" sz="quarter" idx="11"/>
-          </p:nvPr>
-        </p:nvSpPr>
-        <p:spPr>
-          <a:xfrm>
-            <a:off x="3359150" y="6507212"/>
-            <a:ext cx="6379210" cy="153888"/>
-          </a:xfrm>
-        </p:spPr>
-        <p:txBody>
-          <a:bodyPr/>
-          <a:lstStyle/>
-          <a:p>
-            <a:pPr marL="0" marR="0" lvl="0" indent="0" algn="l" defTabSz="914400" rtl="0" eaLnBrk="1" fontAlgn="auto" latinLnBrk="0" hangingPunct="1">
-              <a:lnSpc>
-                <a:spcPct val="100000"/>
-              </a:lnSpc>
-              <a:spcBef>
-                <a:spcPts val="0"/>
-              </a:spcBef>
-              <a:spcAft>
-                <a:spcPts val="0"/>
-              </a:spcAft>
-              <a:buClrTx/>
-              <a:buSzTx/>
-              <a:buFontTx/>
-              <a:buNone/>
-              <a:tabLst/>
-              <a:defRPr/>
-            </a:pPr>
-            <a:r>
-              <a:rPr kumimoji="0" lang="en-US" sz="1000" b="0" i="0" u="none" strike="noStrike" kern="1200" cap="none" spc="0" normalizeH="0" baseline="0" noProof="0">
-                <a:ln>
-                  <a:noFill/>
-                </a:ln>
-                <a:solidFill>
-                  <a:prstClr val="white">
-                    <a:lumMod val="65000"/>
-                    <a:alpha val="80000"/>
-                  </a:prstClr>
-                </a:solidFill>
-                <a:effectLst/>
-                <a:uLnTx/>
-                <a:uFillTx/>
-                <a:latin typeface="Gill Sans MT"/>
-                <a:ea typeface="+mn-ea"/>
-                <a:cs typeface="+mn-cs"/>
-              </a:rPr>
-              <a:t>Sample Footer Text</a:t>
             </a:r>
           </a:p>
         </p:txBody>
@@ -18605,72 +18389,6 @@
       </p:pic>
       <p:sp>
         <p:nvSpPr>
-          <p:cNvPr id="4" name="Date Placeholder 3">
-            <a:extLst>
-              <a:ext uri="{FF2B5EF4-FFF2-40B4-BE49-F238E27FC236}">
-                <a16:creationId xmlns:a16="http://schemas.microsoft.com/office/drawing/2014/main" id="{7823E305-6365-4345-8BD1-4A31C61D96CB}"/>
-              </a:ext>
-            </a:extLst>
-          </p:cNvPr>
-          <p:cNvSpPr>
-            <a:spLocks noGrp="1"/>
-          </p:cNvSpPr>
-          <p:nvPr>
-            <p:ph type="dt" sz="half" idx="10"/>
-          </p:nvPr>
-        </p:nvSpPr>
-        <p:spPr>
-          <a:xfrm>
-            <a:off x="550863" y="6507212"/>
-            <a:ext cx="2628900" cy="153888"/>
-          </a:xfrm>
-        </p:spPr>
-        <p:txBody>
-          <a:bodyPr/>
-          <a:lstStyle/>
-          <a:p>
-            <a:r>
-              <a:rPr lang="en-US"/>
-              <a:t>Tuesday, February 2, 20XX</a:t>
-            </a:r>
-          </a:p>
-        </p:txBody>
-      </p:sp>
-      <p:sp>
-        <p:nvSpPr>
-          <p:cNvPr id="5" name="Footer Placeholder 4">
-            <a:extLst>
-              <a:ext uri="{FF2B5EF4-FFF2-40B4-BE49-F238E27FC236}">
-                <a16:creationId xmlns:a16="http://schemas.microsoft.com/office/drawing/2014/main" id="{0B37A3FF-ED32-4C4A-A21F-848A3BF6F896}"/>
-              </a:ext>
-            </a:extLst>
-          </p:cNvPr>
-          <p:cNvSpPr>
-            <a:spLocks noGrp="1"/>
-          </p:cNvSpPr>
-          <p:nvPr>
-            <p:ph type="ftr" sz="quarter" idx="11"/>
-          </p:nvPr>
-        </p:nvSpPr>
-        <p:spPr>
-          <a:xfrm>
-            <a:off x="3359150" y="6507212"/>
-            <a:ext cx="6379210" cy="153888"/>
-          </a:xfrm>
-        </p:spPr>
-        <p:txBody>
-          <a:bodyPr/>
-          <a:lstStyle/>
-          <a:p>
-            <a:r>
-              <a:rPr lang="en-US"/>
-              <a:t>Sample Footer Text</a:t>
-            </a:r>
-          </a:p>
-        </p:txBody>
-      </p:sp>
-      <p:sp>
-        <p:nvSpPr>
           <p:cNvPr id="6" name="Slide Number Placeholder 5">
             <a:extLst>
               <a:ext uri="{FF2B5EF4-FFF2-40B4-BE49-F238E27FC236}">
@@ -18919,72 +18637,6 @@
       </p:pic>
       <p:sp>
         <p:nvSpPr>
-          <p:cNvPr id="13" name="Date Placeholder 12">
-            <a:extLst>
-              <a:ext uri="{FF2B5EF4-FFF2-40B4-BE49-F238E27FC236}">
-                <a16:creationId xmlns:a16="http://schemas.microsoft.com/office/drawing/2014/main" id="{915FE2C5-E66A-4405-B19E-2C5C546C98E4}"/>
-              </a:ext>
-            </a:extLst>
-          </p:cNvPr>
-          <p:cNvSpPr>
-            <a:spLocks noGrp="1"/>
-          </p:cNvSpPr>
-          <p:nvPr>
-            <p:ph type="dt" sz="half" idx="10"/>
-          </p:nvPr>
-        </p:nvSpPr>
-        <p:spPr>
-          <a:xfrm>
-            <a:off x="550863" y="6507212"/>
-            <a:ext cx="2628900" cy="153888"/>
-          </a:xfrm>
-        </p:spPr>
-        <p:txBody>
-          <a:bodyPr/>
-          <a:lstStyle/>
-          <a:p>
-            <a:r>
-              <a:rPr lang="en-US"/>
-              <a:t>Tuesday, February 2, 20XX</a:t>
-            </a:r>
-          </a:p>
-        </p:txBody>
-      </p:sp>
-      <p:sp>
-        <p:nvSpPr>
-          <p:cNvPr id="14" name="Footer Placeholder 13">
-            <a:extLst>
-              <a:ext uri="{FF2B5EF4-FFF2-40B4-BE49-F238E27FC236}">
-                <a16:creationId xmlns:a16="http://schemas.microsoft.com/office/drawing/2014/main" id="{B01DF4D0-78BC-4C8C-9570-26F0B225433A}"/>
-              </a:ext>
-            </a:extLst>
-          </p:cNvPr>
-          <p:cNvSpPr>
-            <a:spLocks noGrp="1"/>
-          </p:cNvSpPr>
-          <p:nvPr>
-            <p:ph type="ftr" sz="quarter" idx="11"/>
-          </p:nvPr>
-        </p:nvSpPr>
-        <p:spPr>
-          <a:xfrm>
-            <a:off x="3359150" y="6507212"/>
-            <a:ext cx="6379210" cy="153888"/>
-          </a:xfrm>
-        </p:spPr>
-        <p:txBody>
-          <a:bodyPr/>
-          <a:lstStyle/>
-          <a:p>
-            <a:r>
-              <a:rPr lang="en-US" dirty="0"/>
-              <a:t>Sample Footer Text</a:t>
-            </a:r>
-          </a:p>
-        </p:txBody>
-      </p:sp>
-      <p:sp>
-        <p:nvSpPr>
           <p:cNvPr id="15" name="Slide Number Placeholder 14">
             <a:extLst>
               <a:ext uri="{FF2B5EF4-FFF2-40B4-BE49-F238E27FC236}">
@@ -19183,72 +18835,6 @@
           </a:xfrm>
         </p:spPr>
       </p:pic>
-      <p:sp>
-        <p:nvSpPr>
-          <p:cNvPr id="4" name="Date Placeholder 3">
-            <a:extLst>
-              <a:ext uri="{FF2B5EF4-FFF2-40B4-BE49-F238E27FC236}">
-                <a16:creationId xmlns:a16="http://schemas.microsoft.com/office/drawing/2014/main" id="{0C329F70-04F7-4C70-BCF8-D4371F54EF2F}"/>
-              </a:ext>
-            </a:extLst>
-          </p:cNvPr>
-          <p:cNvSpPr>
-            <a:spLocks noGrp="1"/>
-          </p:cNvSpPr>
-          <p:nvPr>
-            <p:ph type="dt" sz="half" idx="10"/>
-          </p:nvPr>
-        </p:nvSpPr>
-        <p:spPr>
-          <a:xfrm>
-            <a:off x="550863" y="6507212"/>
-            <a:ext cx="2628900" cy="153888"/>
-          </a:xfrm>
-        </p:spPr>
-        <p:txBody>
-          <a:bodyPr/>
-          <a:lstStyle/>
-          <a:p>
-            <a:r>
-              <a:rPr lang="en-US" dirty="0"/>
-              <a:t>Tuesday, February 2, 2022</a:t>
-            </a:r>
-          </a:p>
-        </p:txBody>
-      </p:sp>
-      <p:sp>
-        <p:nvSpPr>
-          <p:cNvPr id="5" name="Footer Placeholder 4">
-            <a:extLst>
-              <a:ext uri="{FF2B5EF4-FFF2-40B4-BE49-F238E27FC236}">
-                <a16:creationId xmlns:a16="http://schemas.microsoft.com/office/drawing/2014/main" id="{06A3302E-502D-4151-81C9-5FD6AF9596D6}"/>
-              </a:ext>
-            </a:extLst>
-          </p:cNvPr>
-          <p:cNvSpPr>
-            <a:spLocks noGrp="1"/>
-          </p:cNvSpPr>
-          <p:nvPr>
-            <p:ph type="ftr" sz="quarter" idx="11"/>
-          </p:nvPr>
-        </p:nvSpPr>
-        <p:spPr>
-          <a:xfrm>
-            <a:off x="3359150" y="6507212"/>
-            <a:ext cx="6379210" cy="153888"/>
-          </a:xfrm>
-        </p:spPr>
-        <p:txBody>
-          <a:bodyPr/>
-          <a:lstStyle/>
-          <a:p>
-            <a:r>
-              <a:rPr lang="en-US" dirty="0"/>
-              <a:t>Sample Footer Text</a:t>
-            </a:r>
-          </a:p>
-        </p:txBody>
-      </p:sp>
       <p:sp>
         <p:nvSpPr>
           <p:cNvPr id="6" name="Slide Number Placeholder 5">
@@ -20529,62 +20115,6 @@
       </p:sp>
       <p:sp>
         <p:nvSpPr>
-          <p:cNvPr id="2" name="Date Placeholder 1">
-            <a:extLst>
-              <a:ext uri="{FF2B5EF4-FFF2-40B4-BE49-F238E27FC236}">
-                <a16:creationId xmlns:a16="http://schemas.microsoft.com/office/drawing/2014/main" id="{2910D835-B454-4270-BB35-86A187307E6F}"/>
-              </a:ext>
-            </a:extLst>
-          </p:cNvPr>
-          <p:cNvSpPr>
-            <a:spLocks noGrp="1"/>
-          </p:cNvSpPr>
-          <p:nvPr>
-            <p:ph type="dt" sz="half" idx="10"/>
-          </p:nvPr>
-        </p:nvSpPr>
-        <p:spPr/>
-        <p:txBody>
-          <a:bodyPr/>
-          <a:lstStyle/>
-          <a:p>
-            <a:r>
-              <a:rPr lang="en-US"/>
-              <a:t>Tuesday, February 2, 20XX</a:t>
-            </a:r>
-          </a:p>
-        </p:txBody>
-      </p:sp>
-      <p:sp>
-        <p:nvSpPr>
-          <p:cNvPr id="3" name="Footer Placeholder 2">
-            <a:extLst>
-              <a:ext uri="{FF2B5EF4-FFF2-40B4-BE49-F238E27FC236}">
-                <a16:creationId xmlns:a16="http://schemas.microsoft.com/office/drawing/2014/main" id="{7F7F653B-90B5-4F47-A33F-93DCB2EF68C2}"/>
-              </a:ext>
-            </a:extLst>
-          </p:cNvPr>
-          <p:cNvSpPr>
-            <a:spLocks noGrp="1"/>
-          </p:cNvSpPr>
-          <p:nvPr>
-            <p:ph type="ftr" sz="quarter" idx="11"/>
-          </p:nvPr>
-        </p:nvSpPr>
-        <p:spPr/>
-        <p:txBody>
-          <a:bodyPr/>
-          <a:lstStyle/>
-          <a:p>
-            <a:r>
-              <a:rPr lang="en-US"/>
-              <a:t>Sample Footer Text</a:t>
-            </a:r>
-          </a:p>
-        </p:txBody>
-      </p:sp>
-      <p:sp>
-        <p:nvSpPr>
           <p:cNvPr id="4" name="Slide Number Placeholder 3">
             <a:extLst>
               <a:ext uri="{FF2B5EF4-FFF2-40B4-BE49-F238E27FC236}">
@@ -20642,73 +20172,6 @@
           <a:chExt cx="0" cy="0"/>
         </a:xfrm>
       </p:grpSpPr>
-      <p:sp>
-        <p:nvSpPr>
-          <p:cNvPr id="4" name="Date Placeholder 3">
-            <a:extLst>
-              <a:ext uri="{FF2B5EF4-FFF2-40B4-BE49-F238E27FC236}">
-                <a16:creationId xmlns:a16="http://schemas.microsoft.com/office/drawing/2014/main" id="{E39EF484-38C8-4EDC-ACF5-695CFB216839}"/>
-              </a:ext>
-            </a:extLst>
-          </p:cNvPr>
-          <p:cNvSpPr>
-            <a:spLocks noGrp="1"/>
-          </p:cNvSpPr>
-          <p:nvPr>
-            <p:ph type="dt" sz="half" idx="10"/>
-          </p:nvPr>
-        </p:nvSpPr>
-        <p:spPr>
-          <a:xfrm>
-            <a:off x="550863" y="6507212"/>
-            <a:ext cx="2628900" cy="153888"/>
-          </a:xfrm>
-        </p:spPr>
-        <p:txBody>
-          <a:bodyPr/>
-          <a:lstStyle/>
-          <a:p>
-            <a:r>
-              <a:rPr lang="en-US"/>
-              <a:t>Tuesday, February 2, 20XX</a:t>
-            </a:r>
-            <a:endParaRPr lang="en-US" dirty="0"/>
-          </a:p>
-        </p:txBody>
-      </p:sp>
-      <p:sp>
-        <p:nvSpPr>
-          <p:cNvPr id="5" name="Footer Placeholder 4">
-            <a:extLst>
-              <a:ext uri="{FF2B5EF4-FFF2-40B4-BE49-F238E27FC236}">
-                <a16:creationId xmlns:a16="http://schemas.microsoft.com/office/drawing/2014/main" id="{AFD183D7-B16E-4A9D-BC4B-D1EC347BF97E}"/>
-              </a:ext>
-            </a:extLst>
-          </p:cNvPr>
-          <p:cNvSpPr>
-            <a:spLocks noGrp="1"/>
-          </p:cNvSpPr>
-          <p:nvPr>
-            <p:ph type="ftr" sz="quarter" idx="11"/>
-          </p:nvPr>
-        </p:nvSpPr>
-        <p:spPr>
-          <a:xfrm>
-            <a:off x="3359150" y="6507212"/>
-            <a:ext cx="6379210" cy="153888"/>
-          </a:xfrm>
-        </p:spPr>
-        <p:txBody>
-          <a:bodyPr/>
-          <a:lstStyle/>
-          <a:p>
-            <a:r>
-              <a:rPr lang="en-US"/>
-              <a:t>Sample Footer Text</a:t>
-            </a:r>
-          </a:p>
-        </p:txBody>
-      </p:sp>
       <p:sp>
         <p:nvSpPr>
           <p:cNvPr id="6" name="Slide Number Placeholder 5">
@@ -21187,62 +20650,6 @@
       </p:sp>
       <p:sp>
         <p:nvSpPr>
-          <p:cNvPr id="2" name="Date Placeholder 1">
-            <a:extLst>
-              <a:ext uri="{FF2B5EF4-FFF2-40B4-BE49-F238E27FC236}">
-                <a16:creationId xmlns:a16="http://schemas.microsoft.com/office/drawing/2014/main" id="{2910D835-B454-4270-BB35-86A187307E6F}"/>
-              </a:ext>
-            </a:extLst>
-          </p:cNvPr>
-          <p:cNvSpPr>
-            <a:spLocks noGrp="1"/>
-          </p:cNvSpPr>
-          <p:nvPr>
-            <p:ph type="dt" sz="half" idx="10"/>
-          </p:nvPr>
-        </p:nvSpPr>
-        <p:spPr/>
-        <p:txBody>
-          <a:bodyPr/>
-          <a:lstStyle/>
-          <a:p>
-            <a:r>
-              <a:rPr lang="en-US"/>
-              <a:t>Tuesday, February 2, 20XX</a:t>
-            </a:r>
-          </a:p>
-        </p:txBody>
-      </p:sp>
-      <p:sp>
-        <p:nvSpPr>
-          <p:cNvPr id="3" name="Footer Placeholder 2">
-            <a:extLst>
-              <a:ext uri="{FF2B5EF4-FFF2-40B4-BE49-F238E27FC236}">
-                <a16:creationId xmlns:a16="http://schemas.microsoft.com/office/drawing/2014/main" id="{7F7F653B-90B5-4F47-A33F-93DCB2EF68C2}"/>
-              </a:ext>
-            </a:extLst>
-          </p:cNvPr>
-          <p:cNvSpPr>
-            <a:spLocks noGrp="1"/>
-          </p:cNvSpPr>
-          <p:nvPr>
-            <p:ph type="ftr" sz="quarter" idx="11"/>
-          </p:nvPr>
-        </p:nvSpPr>
-        <p:spPr/>
-        <p:txBody>
-          <a:bodyPr/>
-          <a:lstStyle/>
-          <a:p>
-            <a:r>
-              <a:rPr lang="en-US"/>
-              <a:t>Sample Footer Text</a:t>
-            </a:r>
-          </a:p>
-        </p:txBody>
-      </p:sp>
-      <p:sp>
-        <p:nvSpPr>
           <p:cNvPr id="4" name="Slide Number Placeholder 3">
             <a:extLst>
               <a:ext uri="{FF2B5EF4-FFF2-40B4-BE49-F238E27FC236}">
@@ -21302,72 +20709,6 @@
       </p:grpSpPr>
       <p:sp>
         <p:nvSpPr>
-          <p:cNvPr id="14" name="Date Placeholder 13">
-            <a:extLst>
-              <a:ext uri="{FF2B5EF4-FFF2-40B4-BE49-F238E27FC236}">
-                <a16:creationId xmlns:a16="http://schemas.microsoft.com/office/drawing/2014/main" id="{DC738669-5750-45EA-9715-A0041D4C569B}"/>
-              </a:ext>
-            </a:extLst>
-          </p:cNvPr>
-          <p:cNvSpPr>
-            <a:spLocks noGrp="1"/>
-          </p:cNvSpPr>
-          <p:nvPr>
-            <p:ph type="dt" sz="half" idx="10"/>
-          </p:nvPr>
-        </p:nvSpPr>
-        <p:spPr>
-          <a:xfrm>
-            <a:off x="550863" y="6507212"/>
-            <a:ext cx="2628900" cy="153888"/>
-          </a:xfrm>
-        </p:spPr>
-        <p:txBody>
-          <a:bodyPr/>
-          <a:lstStyle/>
-          <a:p>
-            <a:r>
-              <a:rPr lang="en-US"/>
-              <a:t>Tuesday, February 2, 20XX</a:t>
-            </a:r>
-          </a:p>
-        </p:txBody>
-      </p:sp>
-      <p:sp>
-        <p:nvSpPr>
-          <p:cNvPr id="15" name="Footer Placeholder 14">
-            <a:extLst>
-              <a:ext uri="{FF2B5EF4-FFF2-40B4-BE49-F238E27FC236}">
-                <a16:creationId xmlns:a16="http://schemas.microsoft.com/office/drawing/2014/main" id="{CD05A243-8080-4F6D-8538-65CDDF891BA6}"/>
-              </a:ext>
-            </a:extLst>
-          </p:cNvPr>
-          <p:cNvSpPr>
-            <a:spLocks noGrp="1"/>
-          </p:cNvSpPr>
-          <p:nvPr>
-            <p:ph type="ftr" sz="quarter" idx="11"/>
-          </p:nvPr>
-        </p:nvSpPr>
-        <p:spPr>
-          <a:xfrm>
-            <a:off x="3359150" y="6507212"/>
-            <a:ext cx="6379210" cy="153888"/>
-          </a:xfrm>
-        </p:spPr>
-        <p:txBody>
-          <a:bodyPr/>
-          <a:lstStyle/>
-          <a:p>
-            <a:r>
-              <a:rPr lang="en-US"/>
-              <a:t>Sample Footer Text</a:t>
-            </a:r>
-          </a:p>
-        </p:txBody>
-      </p:sp>
-      <p:sp>
-        <p:nvSpPr>
           <p:cNvPr id="16" name="Slide Number Placeholder 15">
             <a:extLst>
               <a:ext uri="{FF2B5EF4-FFF2-40B4-BE49-F238E27FC236}">
@@ -21384,7 +20725,7 @@
         </p:nvSpPr>
         <p:spPr>
           <a:xfrm>
-            <a:off x="9948863" y="6507212"/>
+            <a:off x="9948863" y="6127662"/>
             <a:ext cx="1692274" cy="153888"/>
           </a:xfrm>
         </p:spPr>
@@ -21415,7 +20756,7 @@
         </p:nvSpPr>
         <p:spPr>
           <a:xfrm>
-            <a:off x="1557864" y="1100667"/>
+            <a:off x="1105823" y="721119"/>
             <a:ext cx="3386667" cy="4801314"/>
           </a:xfrm>
           <a:prstGeom prst="rect">
@@ -21468,7 +20809,7 @@
         </p:nvSpPr>
         <p:spPr>
           <a:xfrm rot="16200000">
-            <a:off x="-2967830" y="3099682"/>
+            <a:off x="-2971299" y="3099684"/>
             <a:ext cx="6858003" cy="658635"/>
           </a:xfrm>
         </p:spPr>
@@ -21499,7 +20840,7 @@
         </p:nvSpPr>
         <p:spPr>
           <a:xfrm>
-            <a:off x="1157814" y="442032"/>
+            <a:off x="916276" y="62482"/>
             <a:ext cx="1884591" cy="658635"/>
           </a:xfrm>
           <a:prstGeom prst="rect">
@@ -21560,7 +20901,7 @@
         </p:nvSpPr>
         <p:spPr>
           <a:xfrm>
-            <a:off x="4944531" y="442031"/>
+            <a:off x="4702993" y="62481"/>
             <a:ext cx="2348091" cy="658635"/>
           </a:xfrm>
           <a:prstGeom prst="rect">
@@ -21619,7 +20960,147 @@
         </p:nvSpPr>
         <p:spPr>
           <a:xfrm>
-            <a:off x="5344581" y="1086346"/>
+            <a:off x="4870131" y="706796"/>
+            <a:ext cx="3386667" cy="6463308"/>
+          </a:xfrm>
+          <a:prstGeom prst="rect">
+            <a:avLst/>
+          </a:prstGeom>
+          <a:noFill/>
+        </p:spPr>
+        <p:txBody>
+          <a:bodyPr wrap="square" rtlCol="0">
+            <a:spAutoFit/>
+          </a:bodyPr>
+          <a:lstStyle/>
+          <a:p>
+            <a:pPr algn="l"/>
+            <a:r>
+              <a:rPr lang="en-US" b="0" i="0" dirty="0">
+                <a:effectLst/>
+                <a:latin typeface="Segoe UI" panose="020B0502040204020203" pitchFamily="34" charset="0"/>
+              </a:rPr>
+              <a:t>Data in Azure Storage is encrypted and decrypted transparently using 256-bit AES encryption, one of the strongest block ciphers available, and is FIPS 140-2 compliant. Azure Storage encryption is similar to BitLocker encryption on Windows.</a:t>
+            </a:r>
+          </a:p>
+          <a:p>
+            <a:pPr algn="l"/>
+            <a:r>
+              <a:rPr lang="en-US" dirty="0">
+                <a:latin typeface="Segoe UI" panose="020B0502040204020203" pitchFamily="34" charset="0"/>
+              </a:rPr>
+              <a:t>Azure Storage encryption is enabled for all storage accounts, including both Resource Manager and classic storage accounts. Azure Storage encryption cannot be disabled.</a:t>
+            </a:r>
+          </a:p>
+          <a:p>
+            <a:pPr algn="l"/>
+            <a:r>
+              <a:rPr lang="en-US" dirty="0">
+                <a:latin typeface="Segoe UI" panose="020B0502040204020203" pitchFamily="34" charset="0"/>
+              </a:rPr>
+              <a:t>Azure </a:t>
+            </a:r>
+            <a:r>
+              <a:rPr lang="en-US" dirty="0" err="1">
+                <a:latin typeface="Segoe UI" panose="020B0502040204020203" pitchFamily="34" charset="0"/>
+              </a:rPr>
+              <a:t>VNet</a:t>
+            </a:r>
+            <a:r>
+              <a:rPr lang="en-US" dirty="0">
+                <a:latin typeface="Segoe UI" panose="020B0502040204020203" pitchFamily="34" charset="0"/>
+              </a:rPr>
+              <a:t> service will keep the external users network isolated from the internal network where the data will be stored and processed.</a:t>
+            </a:r>
+            <a:br>
+              <a:rPr lang="en-US" b="0" i="0" dirty="0">
+                <a:solidFill>
+                  <a:srgbClr val="171717"/>
+                </a:solidFill>
+                <a:effectLst/>
+                <a:latin typeface="Segoe UI" panose="020B0502040204020203" pitchFamily="34" charset="0"/>
+              </a:rPr>
+            </a:br>
+            <a:endParaRPr lang="en-US" dirty="0"/>
+          </a:p>
+        </p:txBody>
+      </p:sp>
+      <p:sp>
+        <p:nvSpPr>
+          <p:cNvPr id="10" name="Title 1">
+            <a:extLst>
+              <a:ext uri="{FF2B5EF4-FFF2-40B4-BE49-F238E27FC236}">
+                <a16:creationId xmlns:a16="http://schemas.microsoft.com/office/drawing/2014/main" id="{370CF47C-C930-EB5A-8D7C-A5638D6987B0}"/>
+              </a:ext>
+            </a:extLst>
+          </p:cNvPr>
+          <p:cNvSpPr txBox="1">
+            <a:spLocks/>
+          </p:cNvSpPr>
+          <p:nvPr/>
+        </p:nvSpPr>
+        <p:spPr>
+          <a:xfrm>
+            <a:off x="8385471" y="47579"/>
+            <a:ext cx="3562114" cy="658635"/>
+          </a:xfrm>
+          <a:prstGeom prst="rect">
+            <a:avLst/>
+          </a:prstGeom>
+        </p:spPr>
+        <p:txBody>
+          <a:bodyPr vert="horz" wrap="square" lIns="0" tIns="0" rIns="0" bIns="0" rtlCol="0" anchor="t" anchorCtr="0">
+            <a:noAutofit/>
+          </a:bodyPr>
+          <a:lstStyle>
+            <a:lvl1pPr algn="l" defTabSz="914400" rtl="0" eaLnBrk="1" latinLnBrk="0" hangingPunct="1">
+              <a:lnSpc>
+                <a:spcPct val="90000"/>
+              </a:lnSpc>
+              <a:spcBef>
+                <a:spcPct val="0"/>
+              </a:spcBef>
+              <a:buNone/>
+              <a:defRPr lang="en-US" sz="4800" kern="1200" dirty="0">
+                <a:solidFill>
+                  <a:schemeClr val="tx1"/>
+                </a:solidFill>
+                <a:latin typeface="+mj-lt"/>
+                <a:ea typeface="+mj-ea"/>
+                <a:cs typeface="+mj-cs"/>
+              </a:defRPr>
+            </a:lvl1pPr>
+          </a:lstStyle>
+          <a:p>
+            <a:r>
+              <a:rPr lang="en-US" dirty="0">
+                <a:solidFill>
+                  <a:schemeClr val="accent4">
+                    <a:lumMod val="60000"/>
+                    <a:lumOff val="40000"/>
+                  </a:schemeClr>
+                </a:solidFill>
+              </a:rPr>
+              <a:t>Governance</a:t>
+            </a:r>
+          </a:p>
+        </p:txBody>
+      </p:sp>
+      <p:sp>
+        <p:nvSpPr>
+          <p:cNvPr id="19" name="TextBox 18">
+            <a:extLst>
+              <a:ext uri="{FF2B5EF4-FFF2-40B4-BE49-F238E27FC236}">
+                <a16:creationId xmlns:a16="http://schemas.microsoft.com/office/drawing/2014/main" id="{60095355-8267-B006-4D54-17522F9854C7}"/>
+              </a:ext>
+            </a:extLst>
+          </p:cNvPr>
+          <p:cNvSpPr txBox="1"/>
+          <p:nvPr/>
+        </p:nvSpPr>
+        <p:spPr>
+          <a:xfrm>
+            <a:off x="8700856" y="706214"/>
             <a:ext cx="3386667" cy="5078313"/>
           </a:xfrm>
           <a:prstGeom prst="rect">
@@ -21639,16 +21120,17 @@
                 <a:effectLst/>
                 <a:latin typeface="Segoe UI" panose="020B0502040204020203" pitchFamily="34" charset="0"/>
               </a:rPr>
-              <a:t>Data in Azure Storage is encrypted and decrypted transparently using 256-bit AES encryption, one of the strongest block ciphers available, and is FIPS 140-2 compliant. Azure Storage encryption is similar to BitLocker encryption on Windows.</a:t>
+              <a:t>There are 2 sets of users to the application. The first set, who uploads the scanned documents to the storage  location in the Azure. The second set, who uses the data processed from prepared from the scanned documents, these can be the data stewards validating the data quality and the data analyst, deriving insight from the data. </a:t>
             </a:r>
           </a:p>
           <a:p>
             <a:pPr algn="l"/>
             <a:r>
-              <a:rPr lang="en-US" dirty="0">
+              <a:rPr lang="en-US" b="0" i="0" dirty="0">
+                <a:effectLst/>
                 <a:latin typeface="Segoe UI" panose="020B0502040204020203" pitchFamily="34" charset="0"/>
               </a:rPr>
-              <a:t>Azure Storage encryption is enabled for all storage accounts, including both Resource Manager and classic storage accounts. Azure Storage encryption cannot be disabled.</a:t>
+              <a:t>To govern the access of these different set of users to the data, users will be identified using Active Directory service of Azure.</a:t>
             </a:r>
             <a:br>
               <a:rPr lang="en-US" b="0" i="0" dirty="0">
@@ -21798,73 +21280,6 @@
           </a:xfrm>
         </p:spPr>
       </p:pic>
-      <p:sp>
-        <p:nvSpPr>
-          <p:cNvPr id="19" name="Date Placeholder 18">
-            <a:extLst>
-              <a:ext uri="{FF2B5EF4-FFF2-40B4-BE49-F238E27FC236}">
-                <a16:creationId xmlns:a16="http://schemas.microsoft.com/office/drawing/2014/main" id="{386DB667-0553-4FB8-B0E0-776539934AFF}"/>
-              </a:ext>
-            </a:extLst>
-          </p:cNvPr>
-          <p:cNvSpPr>
-            <a:spLocks noGrp="1"/>
-          </p:cNvSpPr>
-          <p:nvPr>
-            <p:ph type="dt" sz="half" idx="10"/>
-          </p:nvPr>
-        </p:nvSpPr>
-        <p:spPr>
-          <a:xfrm>
-            <a:off x="550863" y="6507212"/>
-            <a:ext cx="2628900" cy="153888"/>
-          </a:xfrm>
-        </p:spPr>
-        <p:txBody>
-          <a:bodyPr/>
-          <a:lstStyle/>
-          <a:p>
-            <a:r>
-              <a:rPr lang="en-US"/>
-              <a:t>Tuesday, February 2, 20XX</a:t>
-            </a:r>
-            <a:endParaRPr lang="en-US" dirty="0"/>
-          </a:p>
-        </p:txBody>
-      </p:sp>
-      <p:sp>
-        <p:nvSpPr>
-          <p:cNvPr id="20" name="Footer Placeholder 19">
-            <a:extLst>
-              <a:ext uri="{FF2B5EF4-FFF2-40B4-BE49-F238E27FC236}">
-                <a16:creationId xmlns:a16="http://schemas.microsoft.com/office/drawing/2014/main" id="{C77C6228-C5A8-44DC-ABD7-A22A4475D3DF}"/>
-              </a:ext>
-            </a:extLst>
-          </p:cNvPr>
-          <p:cNvSpPr>
-            <a:spLocks noGrp="1"/>
-          </p:cNvSpPr>
-          <p:nvPr>
-            <p:ph type="ftr" sz="quarter" idx="11"/>
-          </p:nvPr>
-        </p:nvSpPr>
-        <p:spPr>
-          <a:xfrm>
-            <a:off x="3359150" y="6507212"/>
-            <a:ext cx="6379210" cy="153888"/>
-          </a:xfrm>
-        </p:spPr>
-        <p:txBody>
-          <a:bodyPr/>
-          <a:lstStyle/>
-          <a:p>
-            <a:r>
-              <a:rPr lang="en-US"/>
-              <a:t>Sample Footer Text</a:t>
-            </a:r>
-          </a:p>
-        </p:txBody>
-      </p:sp>
       <p:sp>
         <p:nvSpPr>
           <p:cNvPr id="21" name="Slide Number Placeholder 20">
@@ -23852,101 +23267,6 @@
       </p:pic>
       <p:sp>
         <p:nvSpPr>
-          <p:cNvPr id="7" name="Date Placeholder 6">
-            <a:extLst>
-              <a:ext uri="{FF2B5EF4-FFF2-40B4-BE49-F238E27FC236}">
-                <a16:creationId xmlns:a16="http://schemas.microsoft.com/office/drawing/2014/main" id="{45F69D6A-822D-4DB9-A2CC-D9106F1F2B68}"/>
-              </a:ext>
-            </a:extLst>
-          </p:cNvPr>
-          <p:cNvSpPr>
-            <a:spLocks noGrp="1"/>
-          </p:cNvSpPr>
-          <p:nvPr>
-            <p:ph type="dt" sz="half" idx="10"/>
-          </p:nvPr>
-        </p:nvSpPr>
-        <p:spPr>
-          <a:xfrm>
-            <a:off x="550863" y="6507212"/>
-            <a:ext cx="2628900" cy="153888"/>
-          </a:xfrm>
-        </p:spPr>
-        <p:txBody>
-          <a:bodyPr vert="horz" wrap="square" lIns="0" tIns="0" rIns="0" bIns="0" rtlCol="0" anchor="ctr">
-            <a:normAutofit/>
-          </a:bodyPr>
-          <a:lstStyle/>
-          <a:p>
-            <a:pPr>
-              <a:spcAft>
-                <a:spcPts val="600"/>
-              </a:spcAft>
-            </a:pPr>
-            <a:r>
-              <a:rPr lang="en-US">
-                <a:solidFill>
-                  <a:schemeClr val="tx1">
-                    <a:alpha val="80000"/>
-                  </a:schemeClr>
-                </a:solidFill>
-              </a:rPr>
-              <a:t>Tuesday, February 2, 20XX</a:t>
-            </a:r>
-          </a:p>
-        </p:txBody>
-      </p:sp>
-      <p:sp>
-        <p:nvSpPr>
-          <p:cNvPr id="8" name="Footer Placeholder 7">
-            <a:extLst>
-              <a:ext uri="{FF2B5EF4-FFF2-40B4-BE49-F238E27FC236}">
-                <a16:creationId xmlns:a16="http://schemas.microsoft.com/office/drawing/2014/main" id="{6375D7F3-165A-439B-8D1D-6553B68C2886}"/>
-              </a:ext>
-            </a:extLst>
-          </p:cNvPr>
-          <p:cNvSpPr>
-            <a:spLocks noGrp="1"/>
-          </p:cNvSpPr>
-          <p:nvPr>
-            <p:ph type="ftr" sz="quarter" idx="11"/>
-          </p:nvPr>
-        </p:nvSpPr>
-        <p:spPr>
-          <a:xfrm>
-            <a:off x="3359150" y="6507212"/>
-            <a:ext cx="6379210" cy="153888"/>
-          </a:xfrm>
-        </p:spPr>
-        <p:txBody>
-          <a:bodyPr vert="horz" wrap="square" lIns="0" tIns="0" rIns="0" bIns="0" rtlCol="0" anchor="ctr">
-            <a:normAutofit/>
-          </a:bodyPr>
-          <a:lstStyle/>
-          <a:p>
-            <a:pPr>
-              <a:spcAft>
-                <a:spcPts val="600"/>
-              </a:spcAft>
-            </a:pPr>
-            <a:r>
-              <a:rPr lang="en-US" kern="1200">
-                <a:solidFill>
-                  <a:schemeClr val="tx1">
-                    <a:alpha val="80000"/>
-                  </a:schemeClr>
-                </a:solidFill>
-                <a:latin typeface="+mn-lt"/>
-                <a:ea typeface="+mn-ea"/>
-                <a:cs typeface="+mn-cs"/>
-              </a:rPr>
-              <a:t>Sample Footer Text</a:t>
-            </a:r>
-          </a:p>
-        </p:txBody>
-      </p:sp>
-      <p:sp>
-        <p:nvSpPr>
           <p:cNvPr id="9" name="Slide Number Placeholder 8">
             <a:extLst>
               <a:ext uri="{FF2B5EF4-FFF2-40B4-BE49-F238E27FC236}">
@@ -24000,6 +23320,576 @@
                 </a:schemeClr>
               </a:solidFill>
             </a:endParaRPr>
+          </a:p>
+        </p:txBody>
+      </p:sp>
+      <p:sp>
+        <p:nvSpPr>
+          <p:cNvPr id="2" name="Rectangle: Rounded Corners 1">
+            <a:extLst>
+              <a:ext uri="{FF2B5EF4-FFF2-40B4-BE49-F238E27FC236}">
+                <a16:creationId xmlns:a16="http://schemas.microsoft.com/office/drawing/2014/main" id="{6A2F99F0-3320-3C24-180E-D5CB3D57BA77}"/>
+              </a:ext>
+            </a:extLst>
+          </p:cNvPr>
+          <p:cNvSpPr/>
+          <p:nvPr/>
+        </p:nvSpPr>
+        <p:spPr>
+          <a:xfrm>
+            <a:off x="4318072" y="3583932"/>
+            <a:ext cx="1237340" cy="1196825"/>
+          </a:xfrm>
+          <a:prstGeom prst="roundRect">
+            <a:avLst>
+              <a:gd name="adj" fmla="val 7297"/>
+            </a:avLst>
+          </a:prstGeom>
+          <a:noFill/>
+        </p:spPr>
+        <p:style>
+          <a:lnRef idx="2">
+            <a:schemeClr val="accent1">
+              <a:shade val="50000"/>
+            </a:schemeClr>
+          </a:lnRef>
+          <a:fillRef idx="1">
+            <a:schemeClr val="accent1"/>
+          </a:fillRef>
+          <a:effectRef idx="0">
+            <a:schemeClr val="accent1"/>
+          </a:effectRef>
+          <a:fontRef idx="minor">
+            <a:schemeClr val="lt1"/>
+          </a:fontRef>
+        </p:style>
+        <p:txBody>
+          <a:bodyPr rtlCol="0" anchor="ctr"/>
+          <a:lstStyle/>
+          <a:p>
+            <a:pPr algn="ctr"/>
+            <a:endParaRPr lang="en-US"/>
+          </a:p>
+        </p:txBody>
+      </p:sp>
+      <p:sp>
+        <p:nvSpPr>
+          <p:cNvPr id="3" name="TextBox 2">
+            <a:extLst>
+              <a:ext uri="{FF2B5EF4-FFF2-40B4-BE49-F238E27FC236}">
+                <a16:creationId xmlns:a16="http://schemas.microsoft.com/office/drawing/2014/main" id="{9914A160-983E-E5E9-768E-E34F5622D0D1}"/>
+              </a:ext>
+            </a:extLst>
+          </p:cNvPr>
+          <p:cNvSpPr txBox="1"/>
+          <p:nvPr/>
+        </p:nvSpPr>
+        <p:spPr>
+          <a:xfrm>
+            <a:off x="5053440" y="3570992"/>
+            <a:ext cx="564578" cy="246221"/>
+          </a:xfrm>
+          <a:prstGeom prst="rect">
+            <a:avLst/>
+          </a:prstGeom>
+          <a:noFill/>
+        </p:spPr>
+        <p:txBody>
+          <a:bodyPr wrap="none" rtlCol="0">
+            <a:spAutoFit/>
+          </a:bodyPr>
+          <a:lstStyle/>
+          <a:p>
+            <a:r>
+              <a:rPr lang="en-US" sz="1000" dirty="0" err="1">
+                <a:solidFill>
+                  <a:schemeClr val="bg1"/>
+                </a:solidFill>
+              </a:rPr>
+              <a:t>VNet</a:t>
+            </a:r>
+            <a:r>
+              <a:rPr lang="en-US" sz="1000" dirty="0">
+                <a:solidFill>
+                  <a:schemeClr val="bg1"/>
+                </a:solidFill>
+              </a:rPr>
+              <a:t> 1</a:t>
+            </a:r>
+          </a:p>
+        </p:txBody>
+      </p:sp>
+      <p:sp>
+        <p:nvSpPr>
+          <p:cNvPr id="4" name="Rectangle: Rounded Corners 3">
+            <a:extLst>
+              <a:ext uri="{FF2B5EF4-FFF2-40B4-BE49-F238E27FC236}">
+                <a16:creationId xmlns:a16="http://schemas.microsoft.com/office/drawing/2014/main" id="{AD701F39-8854-76E9-4785-FFFD41608B35}"/>
+              </a:ext>
+            </a:extLst>
+          </p:cNvPr>
+          <p:cNvSpPr/>
+          <p:nvPr/>
+        </p:nvSpPr>
+        <p:spPr>
+          <a:xfrm>
+            <a:off x="6096000" y="2066604"/>
+            <a:ext cx="3642360" cy="2714154"/>
+          </a:xfrm>
+          <a:prstGeom prst="roundRect">
+            <a:avLst>
+              <a:gd name="adj" fmla="val 2966"/>
+            </a:avLst>
+          </a:prstGeom>
+          <a:noFill/>
+        </p:spPr>
+        <p:style>
+          <a:lnRef idx="2">
+            <a:schemeClr val="accent1">
+              <a:shade val="50000"/>
+            </a:schemeClr>
+          </a:lnRef>
+          <a:fillRef idx="1">
+            <a:schemeClr val="accent1"/>
+          </a:fillRef>
+          <a:effectRef idx="0">
+            <a:schemeClr val="accent1"/>
+          </a:effectRef>
+          <a:fontRef idx="minor">
+            <a:schemeClr val="lt1"/>
+          </a:fontRef>
+        </p:style>
+        <p:txBody>
+          <a:bodyPr rtlCol="0" anchor="ctr"/>
+          <a:lstStyle/>
+          <a:p>
+            <a:pPr algn="ctr"/>
+            <a:endParaRPr lang="en-US"/>
+          </a:p>
+        </p:txBody>
+      </p:sp>
+      <p:sp>
+        <p:nvSpPr>
+          <p:cNvPr id="27" name="TextBox 26">
+            <a:extLst>
+              <a:ext uri="{FF2B5EF4-FFF2-40B4-BE49-F238E27FC236}">
+                <a16:creationId xmlns:a16="http://schemas.microsoft.com/office/drawing/2014/main" id="{B4BFE96F-A64C-F9C7-97C2-5E9FB9DF698D}"/>
+              </a:ext>
+            </a:extLst>
+          </p:cNvPr>
+          <p:cNvSpPr txBox="1"/>
+          <p:nvPr/>
+        </p:nvSpPr>
+        <p:spPr>
+          <a:xfrm>
+            <a:off x="9079100" y="2066603"/>
+            <a:ext cx="564578" cy="246221"/>
+          </a:xfrm>
+          <a:prstGeom prst="rect">
+            <a:avLst/>
+          </a:prstGeom>
+          <a:noFill/>
+        </p:spPr>
+        <p:txBody>
+          <a:bodyPr wrap="none" rtlCol="0">
+            <a:spAutoFit/>
+          </a:bodyPr>
+          <a:lstStyle/>
+          <a:p>
+            <a:r>
+              <a:rPr lang="en-US" sz="1000" dirty="0" err="1">
+                <a:solidFill>
+                  <a:schemeClr val="bg1"/>
+                </a:solidFill>
+              </a:rPr>
+              <a:t>VNet</a:t>
+            </a:r>
+            <a:r>
+              <a:rPr lang="en-US" sz="1000" dirty="0">
+                <a:solidFill>
+                  <a:schemeClr val="bg1"/>
+                </a:solidFill>
+              </a:rPr>
+              <a:t> 2</a:t>
+            </a:r>
+          </a:p>
+        </p:txBody>
+      </p:sp>
+      <p:sp>
+        <p:nvSpPr>
+          <p:cNvPr id="28" name="Rectangle: Rounded Corners 27">
+            <a:extLst>
+              <a:ext uri="{FF2B5EF4-FFF2-40B4-BE49-F238E27FC236}">
+                <a16:creationId xmlns:a16="http://schemas.microsoft.com/office/drawing/2014/main" id="{03D0591C-6A73-1836-DF5C-ECE7AD6EC687}"/>
+              </a:ext>
+            </a:extLst>
+          </p:cNvPr>
+          <p:cNvSpPr/>
+          <p:nvPr/>
+        </p:nvSpPr>
+        <p:spPr>
+          <a:xfrm>
+            <a:off x="10311688" y="3666683"/>
+            <a:ext cx="1237340" cy="1196825"/>
+          </a:xfrm>
+          <a:prstGeom prst="roundRect">
+            <a:avLst>
+              <a:gd name="adj" fmla="val 7297"/>
+            </a:avLst>
+          </a:prstGeom>
+          <a:noFill/>
+        </p:spPr>
+        <p:style>
+          <a:lnRef idx="2">
+            <a:schemeClr val="accent1">
+              <a:shade val="50000"/>
+            </a:schemeClr>
+          </a:lnRef>
+          <a:fillRef idx="1">
+            <a:schemeClr val="accent1"/>
+          </a:fillRef>
+          <a:effectRef idx="0">
+            <a:schemeClr val="accent1"/>
+          </a:effectRef>
+          <a:fontRef idx="minor">
+            <a:schemeClr val="lt1"/>
+          </a:fontRef>
+        </p:style>
+        <p:txBody>
+          <a:bodyPr rtlCol="0" anchor="ctr"/>
+          <a:lstStyle/>
+          <a:p>
+            <a:pPr algn="ctr"/>
+            <a:endParaRPr lang="en-US"/>
+          </a:p>
+        </p:txBody>
+      </p:sp>
+      <p:sp>
+        <p:nvSpPr>
+          <p:cNvPr id="29" name="TextBox 28">
+            <a:extLst>
+              <a:ext uri="{FF2B5EF4-FFF2-40B4-BE49-F238E27FC236}">
+                <a16:creationId xmlns:a16="http://schemas.microsoft.com/office/drawing/2014/main" id="{AA988E88-6793-93BA-D521-C81B42A41FCA}"/>
+              </a:ext>
+            </a:extLst>
+          </p:cNvPr>
+          <p:cNvSpPr txBox="1"/>
+          <p:nvPr/>
+        </p:nvSpPr>
+        <p:spPr>
+          <a:xfrm>
+            <a:off x="10313910" y="3666683"/>
+            <a:ext cx="564578" cy="246221"/>
+          </a:xfrm>
+          <a:prstGeom prst="rect">
+            <a:avLst/>
+          </a:prstGeom>
+          <a:noFill/>
+        </p:spPr>
+        <p:txBody>
+          <a:bodyPr wrap="none" rtlCol="0">
+            <a:spAutoFit/>
+          </a:bodyPr>
+          <a:lstStyle/>
+          <a:p>
+            <a:r>
+              <a:rPr lang="en-US" sz="1000" dirty="0" err="1">
+                <a:solidFill>
+                  <a:schemeClr val="bg1"/>
+                </a:solidFill>
+              </a:rPr>
+              <a:t>VNet</a:t>
+            </a:r>
+            <a:r>
+              <a:rPr lang="en-US" sz="1000" dirty="0">
+                <a:solidFill>
+                  <a:schemeClr val="bg1"/>
+                </a:solidFill>
+              </a:rPr>
+              <a:t> 1</a:t>
+            </a:r>
+          </a:p>
+        </p:txBody>
+      </p:sp>
+      <p:pic>
+        <p:nvPicPr>
+          <p:cNvPr id="1026" name="Picture 2" descr="Computer Icons User Icon design, numerous, logo, electric Blue png | PNGEgg">
+            <a:extLst>
+              <a:ext uri="{FF2B5EF4-FFF2-40B4-BE49-F238E27FC236}">
+                <a16:creationId xmlns:a16="http://schemas.microsoft.com/office/drawing/2014/main" id="{A17A5D3F-24F1-3180-46AC-DFA19290EBFA}"/>
+              </a:ext>
+            </a:extLst>
+          </p:cNvPr>
+          <p:cNvPicPr>
+            <a:picLocks noChangeAspect="1" noChangeArrowheads="1"/>
+          </p:cNvPicPr>
+          <p:nvPr/>
+        </p:nvPicPr>
+        <p:blipFill>
+          <a:blip r:embed="rId4">
+            <a:extLst>
+              <a:ext uri="{BEBA8EAE-BF5A-486C-A8C5-ECC9F3942E4B}">
+                <a14:imgProps xmlns:a14="http://schemas.microsoft.com/office/drawing/2010/main">
+                  <a14:imgLayer r:embed="rId5">
+                    <a14:imgEffect>
+                      <a14:backgroundRemoval t="10000" b="90000" l="10000" r="90000">
+                        <a14:foregroundMark x1="35616" y1="28902" x2="37329" y2="25434"/>
+                        <a14:foregroundMark x1="27740" y1="57225" x2="31507" y2="56069"/>
+                        <a14:foregroundMark x1="65411" y1="31792" x2="69863" y2="23699"/>
+                        <a14:foregroundMark x1="49315" y1="39884" x2="56164" y2="32948"/>
+                        <a14:foregroundMark x1="64041" y1="57225" x2="68836" y2="53179"/>
+                      </a14:backgroundRemoval>
+                    </a14:imgEffect>
+                  </a14:imgLayer>
+                </a14:imgProps>
+              </a:ext>
+              <a:ext uri="{28A0092B-C50C-407E-A947-70E740481C1C}">
+                <a14:useLocalDpi xmlns:a14="http://schemas.microsoft.com/office/drawing/2010/main" val="0"/>
+              </a:ext>
+            </a:extLst>
+          </a:blip>
+          <a:srcRect/>
+          <a:stretch>
+            <a:fillRect/>
+          </a:stretch>
+        </p:blipFill>
+        <p:spPr bwMode="auto">
+          <a:xfrm>
+            <a:off x="4483816" y="2141839"/>
+            <a:ext cx="735401" cy="435700"/>
+          </a:xfrm>
+          <a:prstGeom prst="rect">
+            <a:avLst/>
+          </a:prstGeom>
+          <a:noFill/>
+          <a:extLst>
+            <a:ext uri="{909E8E84-426E-40DD-AFC4-6F175D3DCCD1}">
+              <a14:hiddenFill xmlns:a14="http://schemas.microsoft.com/office/drawing/2010/main">
+                <a:solidFill>
+                  <a:srgbClr val="FFFFFF"/>
+                </a:solidFill>
+              </a14:hiddenFill>
+            </a:ext>
+          </a:extLst>
+        </p:spPr>
+      </p:pic>
+      <p:cxnSp>
+        <p:nvCxnSpPr>
+          <p:cNvPr id="10" name="Straight Arrow Connector 9">
+            <a:extLst>
+              <a:ext uri="{FF2B5EF4-FFF2-40B4-BE49-F238E27FC236}">
+                <a16:creationId xmlns:a16="http://schemas.microsoft.com/office/drawing/2014/main" id="{F959120F-684F-84F6-1216-EB4EC442D78D}"/>
+              </a:ext>
+            </a:extLst>
+          </p:cNvPr>
+          <p:cNvCxnSpPr/>
+          <p:nvPr/>
+        </p:nvCxnSpPr>
+        <p:spPr>
+          <a:xfrm>
+            <a:off x="4851517" y="2594840"/>
+            <a:ext cx="0" cy="963297"/>
+          </a:xfrm>
+          <a:prstGeom prst="straightConnector1">
+            <a:avLst/>
+          </a:prstGeom>
+          <a:ln>
+            <a:tailEnd type="triangle"/>
+          </a:ln>
+        </p:spPr>
+        <p:style>
+          <a:lnRef idx="1">
+            <a:schemeClr val="accent1"/>
+          </a:lnRef>
+          <a:fillRef idx="0">
+            <a:schemeClr val="accent1"/>
+          </a:fillRef>
+          <a:effectRef idx="0">
+            <a:schemeClr val="accent1"/>
+          </a:effectRef>
+          <a:fontRef idx="minor">
+            <a:schemeClr val="tx1"/>
+          </a:fontRef>
+        </p:style>
+      </p:cxnSp>
+      <p:pic>
+        <p:nvPicPr>
+          <p:cNvPr id="33" name="Picture 2" descr="Computer Icons User Icon design, numerous, logo, electric Blue png | PNGEgg">
+            <a:extLst>
+              <a:ext uri="{FF2B5EF4-FFF2-40B4-BE49-F238E27FC236}">
+                <a16:creationId xmlns:a16="http://schemas.microsoft.com/office/drawing/2014/main" id="{1F4BA4C0-F2E2-3F9D-DDAC-F007FA867A31}"/>
+              </a:ext>
+            </a:extLst>
+          </p:cNvPr>
+          <p:cNvPicPr>
+            <a:picLocks noChangeAspect="1" noChangeArrowheads="1"/>
+          </p:cNvPicPr>
+          <p:nvPr/>
+        </p:nvPicPr>
+        <p:blipFill>
+          <a:blip r:embed="rId4">
+            <a:extLst>
+              <a:ext uri="{BEBA8EAE-BF5A-486C-A8C5-ECC9F3942E4B}">
+                <a14:imgProps xmlns:a14="http://schemas.microsoft.com/office/drawing/2010/main">
+                  <a14:imgLayer r:embed="rId5">
+                    <a14:imgEffect>
+                      <a14:backgroundRemoval t="10000" b="90000" l="10000" r="90000">
+                        <a14:foregroundMark x1="35616" y1="28902" x2="37329" y2="25434"/>
+                        <a14:foregroundMark x1="27740" y1="57225" x2="31507" y2="56069"/>
+                        <a14:foregroundMark x1="65411" y1="31792" x2="69863" y2="23699"/>
+                        <a14:foregroundMark x1="49315" y1="39884" x2="56164" y2="32948"/>
+                        <a14:foregroundMark x1="64041" y1="57225" x2="68836" y2="53179"/>
+                      </a14:backgroundRemoval>
+                    </a14:imgEffect>
+                  </a14:imgLayer>
+                </a14:imgProps>
+              </a:ext>
+              <a:ext uri="{28A0092B-C50C-407E-A947-70E740481C1C}">
+                <a14:useLocalDpi xmlns:a14="http://schemas.microsoft.com/office/drawing/2010/main" val="0"/>
+              </a:ext>
+            </a:extLst>
+          </a:blip>
+          <a:srcRect/>
+          <a:stretch>
+            <a:fillRect/>
+          </a:stretch>
+        </p:blipFill>
+        <p:spPr bwMode="auto">
+          <a:xfrm>
+            <a:off x="10510787" y="2181208"/>
+            <a:ext cx="735401" cy="435700"/>
+          </a:xfrm>
+          <a:prstGeom prst="rect">
+            <a:avLst/>
+          </a:prstGeom>
+          <a:noFill/>
+          <a:extLst>
+            <a:ext uri="{909E8E84-426E-40DD-AFC4-6F175D3DCCD1}">
+              <a14:hiddenFill xmlns:a14="http://schemas.microsoft.com/office/drawing/2010/main">
+                <a:solidFill>
+                  <a:srgbClr val="FFFFFF"/>
+                </a:solidFill>
+              </a14:hiddenFill>
+            </a:ext>
+          </a:extLst>
+        </p:spPr>
+      </p:pic>
+      <p:cxnSp>
+        <p:nvCxnSpPr>
+          <p:cNvPr id="35" name="Straight Arrow Connector 34">
+            <a:extLst>
+              <a:ext uri="{FF2B5EF4-FFF2-40B4-BE49-F238E27FC236}">
+                <a16:creationId xmlns:a16="http://schemas.microsoft.com/office/drawing/2014/main" id="{496B6431-1625-EDE4-AB6D-903822CC9FB5}"/>
+              </a:ext>
+            </a:extLst>
+          </p:cNvPr>
+          <p:cNvCxnSpPr>
+            <a:cxnSpLocks/>
+          </p:cNvCxnSpPr>
+          <p:nvPr/>
+        </p:nvCxnSpPr>
+        <p:spPr>
+          <a:xfrm flipV="1">
+            <a:off x="10878488" y="2616908"/>
+            <a:ext cx="0" cy="1049775"/>
+          </a:xfrm>
+          <a:prstGeom prst="straightConnector1">
+            <a:avLst/>
+          </a:prstGeom>
+          <a:ln>
+            <a:tailEnd type="triangle"/>
+          </a:ln>
+        </p:spPr>
+        <p:style>
+          <a:lnRef idx="1">
+            <a:schemeClr val="accent1"/>
+          </a:lnRef>
+          <a:fillRef idx="0">
+            <a:schemeClr val="accent1"/>
+          </a:fillRef>
+          <a:effectRef idx="0">
+            <a:schemeClr val="accent1"/>
+          </a:effectRef>
+          <a:fontRef idx="minor">
+            <a:schemeClr val="tx1"/>
+          </a:fontRef>
+        </p:style>
+      </p:cxnSp>
+      <p:sp>
+        <p:nvSpPr>
+          <p:cNvPr id="14" name="TextBox 13">
+            <a:extLst>
+              <a:ext uri="{FF2B5EF4-FFF2-40B4-BE49-F238E27FC236}">
+                <a16:creationId xmlns:a16="http://schemas.microsoft.com/office/drawing/2014/main" id="{23083ACF-E837-56E8-EA38-5B751FE919E6}"/>
+              </a:ext>
+            </a:extLst>
+          </p:cNvPr>
+          <p:cNvSpPr txBox="1"/>
+          <p:nvPr/>
+        </p:nvSpPr>
+        <p:spPr>
+          <a:xfrm>
+            <a:off x="5036800" y="2082690"/>
+            <a:ext cx="1047698" cy="553998"/>
+          </a:xfrm>
+          <a:prstGeom prst="rect">
+            <a:avLst/>
+          </a:prstGeom>
+          <a:noFill/>
+        </p:spPr>
+        <p:txBody>
+          <a:bodyPr wrap="square" rtlCol="0">
+            <a:spAutoFit/>
+          </a:bodyPr>
+          <a:lstStyle/>
+          <a:p>
+            <a:r>
+              <a:rPr lang="en-US" sz="1000" dirty="0">
+                <a:solidFill>
+                  <a:schemeClr val="bg1"/>
+                </a:solidFill>
+              </a:rPr>
+              <a:t>Users uploading scanned document</a:t>
+            </a:r>
+          </a:p>
+        </p:txBody>
+      </p:sp>
+      <p:sp>
+        <p:nvSpPr>
+          <p:cNvPr id="40" name="TextBox 39">
+            <a:extLst>
+              <a:ext uri="{FF2B5EF4-FFF2-40B4-BE49-F238E27FC236}">
+                <a16:creationId xmlns:a16="http://schemas.microsoft.com/office/drawing/2014/main" id="{AC4F253B-6DAD-27EF-4A45-C01B6B5FE591}"/>
+              </a:ext>
+            </a:extLst>
+          </p:cNvPr>
+          <p:cNvSpPr txBox="1"/>
+          <p:nvPr/>
+        </p:nvSpPr>
+        <p:spPr>
+          <a:xfrm>
+            <a:off x="9779089" y="2122059"/>
+            <a:ext cx="1047698" cy="553998"/>
+          </a:xfrm>
+          <a:prstGeom prst="rect">
+            <a:avLst/>
+          </a:prstGeom>
+          <a:noFill/>
+        </p:spPr>
+        <p:txBody>
+          <a:bodyPr wrap="square" rtlCol="0">
+            <a:spAutoFit/>
+          </a:bodyPr>
+          <a:lstStyle/>
+          <a:p>
+            <a:r>
+              <a:rPr lang="en-US" sz="1000" dirty="0">
+                <a:solidFill>
+                  <a:schemeClr val="bg1"/>
+                </a:solidFill>
+              </a:rPr>
+              <a:t>Users accessing the processed data</a:t>
+            </a:r>
           </a:p>
         </p:txBody>
       </p:sp>
@@ -24808,6 +24698,21 @@
 </file>
 
 <file path=customXml/item1.xml><?xml version="1.0" encoding="utf-8"?>
+<p:properties xmlns:p="http://schemas.microsoft.com/office/2006/metadata/properties" xmlns:xsi="http://www.w3.org/2001/XMLSchema-instance" xmlns:pc="http://schemas.microsoft.com/office/infopath/2007/PartnerControls">
+  <documentManagement/>
+</p:properties>
+</file>
+
+<file path=customXml/item2.xml><?xml version="1.0" encoding="utf-8"?>
+<?mso-contentType ?>
+<FormTemplates xmlns="http://schemas.microsoft.com/sharepoint/v3/contenttype/forms">
+  <Display>DocumentLibraryForm</Display>
+  <Edit>DocumentLibraryForm</Edit>
+  <New>DocumentLibraryForm</New>
+</FormTemplates>
+</file>
+
+<file path=customXml/item3.xml><?xml version="1.0" encoding="utf-8"?>
 <ct:contentTypeSchema xmlns:ct="http://schemas.microsoft.com/office/2006/metadata/contentType" xmlns:ma="http://schemas.microsoft.com/office/2006/metadata/properties/metaAttributes" ct:_="" ma:_="" ma:contentTypeName="Document" ma:contentTypeID="0x010100282F576C1EC1384DAEB56C987DF40885" ma:contentTypeVersion="10" ma:contentTypeDescription="Create a new document." ma:contentTypeScope="" ma:versionID="6fa09023a5713ac05163782eefd60bc7">
   <xsd:schema xmlns:xsd="http://www.w3.org/2001/XMLSchema" xmlns:xs="http://www.w3.org/2001/XMLSchema" xmlns:p="http://schemas.microsoft.com/office/2006/metadata/properties" xmlns:ns3="0267f90c-5458-44b9-8213-df9f3908b120" xmlns:ns4="b3dcf84b-e756-49a5-81a9-e67c55045e1c" targetNamespace="http://schemas.microsoft.com/office/2006/metadata/properties" ma:root="true" ma:fieldsID="5d0bf87a19b0e42d5a1a938b2e5278b4" ns3:_="" ns4:_="">
     <xsd:import namespace="0267f90c-5458-44b9-8213-df9f3908b120"/>
@@ -25008,22 +24913,32 @@
 </ct:contentTypeSchema>
 </file>
 
-<file path=customXml/item2.xml><?xml version="1.0" encoding="utf-8"?>
-<?mso-contentType ?>
-<FormTemplates xmlns="http://schemas.microsoft.com/sharepoint/v3/contenttype/forms">
-  <Display>DocumentLibraryForm</Display>
-  <Edit>DocumentLibraryForm</Edit>
-  <New>DocumentLibraryForm</New>
-</FormTemplates>
+<file path=customXml/itemProps1.xml><?xml version="1.0" encoding="utf-8"?>
+<ds:datastoreItem xmlns:ds="http://schemas.openxmlformats.org/officeDocument/2006/customXml" ds:itemID="{50811A92-D464-4AC4-A396-BA73B10CEEAC}">
+  <ds:schemaRefs>
+    <ds:schemaRef ds:uri="http://purl.org/dc/dcmitype/"/>
+    <ds:schemaRef ds:uri="http://purl.org/dc/terms/"/>
+    <ds:schemaRef ds:uri="http://schemas.microsoft.com/office/2006/metadata/properties"/>
+    <ds:schemaRef ds:uri="http://schemas.microsoft.com/office/2006/documentManagement/types"/>
+    <ds:schemaRef ds:uri="http://schemas.openxmlformats.org/package/2006/metadata/core-properties"/>
+    <ds:schemaRef ds:uri="b3dcf84b-e756-49a5-81a9-e67c55045e1c"/>
+    <ds:schemaRef ds:uri="http://schemas.microsoft.com/office/infopath/2007/PartnerControls"/>
+    <ds:schemaRef ds:uri="0267f90c-5458-44b9-8213-df9f3908b120"/>
+    <ds:schemaRef ds:uri="http://www.w3.org/XML/1998/namespace"/>
+    <ds:schemaRef ds:uri="http://purl.org/dc/elements/1.1/"/>
+  </ds:schemaRefs>
+</ds:datastoreItem>
 </file>
 
-<file path=customXml/item3.xml><?xml version="1.0" encoding="utf-8"?>
-<p:properties xmlns:p="http://schemas.microsoft.com/office/2006/metadata/properties" xmlns:xsi="http://www.w3.org/2001/XMLSchema-instance" xmlns:pc="http://schemas.microsoft.com/office/infopath/2007/PartnerControls">
-  <documentManagement/>
-</p:properties>
+<file path=customXml/itemProps2.xml><?xml version="1.0" encoding="utf-8"?>
+<ds:datastoreItem xmlns:ds="http://schemas.openxmlformats.org/officeDocument/2006/customXml" ds:itemID="{904751AB-E840-446F-8D49-E697067EC887}">
+  <ds:schemaRefs>
+    <ds:schemaRef ds:uri="http://schemas.microsoft.com/sharepoint/v3/contenttype/forms"/>
+  </ds:schemaRefs>
+</ds:datastoreItem>
 </file>
 
-<file path=customXml/itemProps1.xml><?xml version="1.0" encoding="utf-8"?>
+<file path=customXml/itemProps3.xml><?xml version="1.0" encoding="utf-8"?>
 <ds:datastoreItem xmlns:ds="http://schemas.openxmlformats.org/officeDocument/2006/customXml" ds:itemID="{D21376A0-B20D-4B22-A253-25679A1578B1}">
   <ds:schemaRefs>
     <ds:schemaRef ds:uri="http://schemas.microsoft.com/office/2006/metadata/contentType"/>
@@ -25042,31 +24957,6 @@
 </ds:datastoreItem>
 </file>
 
-<file path=customXml/itemProps2.xml><?xml version="1.0" encoding="utf-8"?>
-<ds:datastoreItem xmlns:ds="http://schemas.openxmlformats.org/officeDocument/2006/customXml" ds:itemID="{904751AB-E840-446F-8D49-E697067EC887}">
-  <ds:schemaRefs>
-    <ds:schemaRef ds:uri="http://schemas.microsoft.com/sharepoint/v3/contenttype/forms"/>
-  </ds:schemaRefs>
-</ds:datastoreItem>
-</file>
-
-<file path=customXml/itemProps3.xml><?xml version="1.0" encoding="utf-8"?>
-<ds:datastoreItem xmlns:ds="http://schemas.openxmlformats.org/officeDocument/2006/customXml" ds:itemID="{50811A92-D464-4AC4-A396-BA73B10CEEAC}">
-  <ds:schemaRefs>
-    <ds:schemaRef ds:uri="http://purl.org/dc/dcmitype/"/>
-    <ds:schemaRef ds:uri="http://purl.org/dc/terms/"/>
-    <ds:schemaRef ds:uri="http://schemas.microsoft.com/office/2006/metadata/properties"/>
-    <ds:schemaRef ds:uri="http://schemas.microsoft.com/office/2006/documentManagement/types"/>
-    <ds:schemaRef ds:uri="http://schemas.openxmlformats.org/package/2006/metadata/core-properties"/>
-    <ds:schemaRef ds:uri="b3dcf84b-e756-49a5-81a9-e67c55045e1c"/>
-    <ds:schemaRef ds:uri="http://schemas.microsoft.com/office/infopath/2007/PartnerControls"/>
-    <ds:schemaRef ds:uri="0267f90c-5458-44b9-8213-df9f3908b120"/>
-    <ds:schemaRef ds:uri="http://www.w3.org/XML/1998/namespace"/>
-    <ds:schemaRef ds:uri="http://purl.org/dc/elements/1.1/"/>
-  </ds:schemaRefs>
-</ds:datastoreItem>
-</file>
-
 <file path=docMetadata/LabelInfo.xml><?xml version="1.0" encoding="utf-8"?>
 <clbl:labelList xmlns:clbl="http://schemas.microsoft.com/office/2020/mipLabelMetadata">
   <clbl:label id="{f42aa342-8706-4288-bd11-ebb85995028c}" enabled="1" method="Standard" siteId="{72f988bf-86f1-41af-91ab-2d7cd011db47}" contentBits="0" removed="0"/>
